--- a/D_D_1_K Bottle Filling Simulation Slides.pptx
+++ b/D_D_1_K Bottle Filling Simulation Slides.pptx
@@ -31,9 +31,13 @@
       <p:boldItalic r:id="rId20"/>
     </p:embeddedFont>
     <p:embeddedFont>
+      <p:font typeface="Hind Guntur"/>
+      <p:bold r:id="rId21"/>
+    </p:embeddedFont>
+    <p:embeddedFont>
       <p:font typeface="Poppins Black"/>
-      <p:bold r:id="rId21"/>
-      <p:boldItalic r:id="rId22"/>
+      <p:bold r:id="rId22"/>
+      <p:boldItalic r:id="rId23"/>
     </p:embeddedFont>
   </p:embeddedFontLst>
   <p:defaultTextStyle>
@@ -814,7 +818,7 @@
   <p:cSld>
     <p:spTree>
       <p:nvGrpSpPr>
-        <p:cNvPr id="167" name="Shape 167"/>
+        <p:cNvPr id="174" name="Shape 174"/>
         <p:cNvGrpSpPr/>
         <p:nvPr/>
       </p:nvGrpSpPr>
@@ -828,7 +832,7 @@
       </p:grpSpPr>
       <p:sp>
         <p:nvSpPr>
-          <p:cNvPr id="168" name="Google Shape;168;g31cdae8d7b4_0_36:notes"/>
+          <p:cNvPr id="175" name="Google Shape;175;g31cdae8d7b4_0_36:notes"/>
           <p:cNvSpPr txBox="1"/>
           <p:nvPr>
             <p:ph idx="1" type="body"/>
@@ -867,7 +871,7 @@
       </p:sp>
       <p:sp>
         <p:nvSpPr>
-          <p:cNvPr id="169" name="Google Shape;169;g31cdae8d7b4_0_36:notes"/>
+          <p:cNvPr id="176" name="Google Shape;176;g31cdae8d7b4_0_36:notes"/>
           <p:cNvSpPr/>
           <p:nvPr>
             <p:ph idx="2" type="sldImg"/>
@@ -913,7 +917,7 @@
   <p:cSld>
     <p:spTree>
       <p:nvGrpSpPr>
-        <p:cNvPr id="176" name="Shape 176"/>
+        <p:cNvPr id="184" name="Shape 184"/>
         <p:cNvGrpSpPr/>
         <p:nvPr/>
       </p:nvGrpSpPr>
@@ -927,7 +931,7 @@
       </p:grpSpPr>
       <p:sp>
         <p:nvSpPr>
-          <p:cNvPr id="177" name="Google Shape;177;g31f130b52a0_0_76:notes"/>
+          <p:cNvPr id="185" name="Google Shape;185;g31f130b52a0_0_76:notes"/>
           <p:cNvSpPr txBox="1"/>
           <p:nvPr>
             <p:ph idx="1" type="body"/>
@@ -966,7 +970,7 @@
       </p:sp>
       <p:sp>
         <p:nvSpPr>
-          <p:cNvPr id="178" name="Google Shape;178;g31f130b52a0_0_76:notes"/>
+          <p:cNvPr id="186" name="Google Shape;186;g31f130b52a0_0_76:notes"/>
           <p:cNvSpPr/>
           <p:nvPr>
             <p:ph idx="2" type="sldImg"/>
@@ -1012,7 +1016,7 @@
   <p:cSld>
     <p:spTree>
       <p:nvGrpSpPr>
-        <p:cNvPr id="90" name="Shape 90"/>
+        <p:cNvPr id="89" name="Shape 89"/>
         <p:cNvGrpSpPr/>
         <p:nvPr/>
       </p:nvGrpSpPr>
@@ -1026,7 +1030,7 @@
       </p:grpSpPr>
       <p:sp>
         <p:nvSpPr>
-          <p:cNvPr id="91" name="Google Shape;91;g31f130b52a0_0_19:notes"/>
+          <p:cNvPr id="90" name="Google Shape;90;g31f130b52a0_0_19:notes"/>
           <p:cNvSpPr txBox="1"/>
           <p:nvPr>
             <p:ph idx="1" type="body"/>
@@ -1065,7 +1069,7 @@
       </p:sp>
       <p:sp>
         <p:nvSpPr>
-          <p:cNvPr id="92" name="Google Shape;92;g31f130b52a0_0_19:notes"/>
+          <p:cNvPr id="91" name="Google Shape;91;g31f130b52a0_0_19:notes"/>
           <p:cNvSpPr/>
           <p:nvPr>
             <p:ph idx="2" type="sldImg"/>
@@ -1210,7 +1214,7 @@
   <p:cSld>
     <p:spTree>
       <p:nvGrpSpPr>
-        <p:cNvPr id="110" name="Shape 110"/>
+        <p:cNvPr id="111" name="Shape 111"/>
         <p:cNvGrpSpPr/>
         <p:nvPr/>
       </p:nvGrpSpPr>
@@ -1224,7 +1228,7 @@
       </p:grpSpPr>
       <p:sp>
         <p:nvSpPr>
-          <p:cNvPr id="111" name="Google Shape;111;g31f130b52a0_0_41:notes"/>
+          <p:cNvPr id="112" name="Google Shape;112;g31f130b52a0_0_41:notes"/>
           <p:cNvSpPr txBox="1"/>
           <p:nvPr>
             <p:ph idx="1" type="body"/>
@@ -1263,7 +1267,7 @@
       </p:sp>
       <p:sp>
         <p:nvSpPr>
-          <p:cNvPr id="112" name="Google Shape;112;g31f130b52a0_0_41:notes"/>
+          <p:cNvPr id="113" name="Google Shape;113;g31f130b52a0_0_41:notes"/>
           <p:cNvSpPr/>
           <p:nvPr>
             <p:ph idx="2" type="sldImg"/>
@@ -1309,7 +1313,7 @@
   <p:cSld>
     <p:spTree>
       <p:nvGrpSpPr>
-        <p:cNvPr id="120" name="Shape 120"/>
+        <p:cNvPr id="122" name="Shape 122"/>
         <p:cNvGrpSpPr/>
         <p:nvPr/>
       </p:nvGrpSpPr>
@@ -1323,7 +1327,7 @@
       </p:grpSpPr>
       <p:sp>
         <p:nvSpPr>
-          <p:cNvPr id="121" name="Google Shape;121;g31f130b52a0_0_56:notes"/>
+          <p:cNvPr id="123" name="Google Shape;123;g31f130b52a0_0_56:notes"/>
           <p:cNvSpPr txBox="1"/>
           <p:nvPr>
             <p:ph idx="1" type="body"/>
@@ -1362,7 +1366,7 @@
       </p:sp>
       <p:sp>
         <p:nvSpPr>
-          <p:cNvPr id="122" name="Google Shape;122;g31f130b52a0_0_56:notes"/>
+          <p:cNvPr id="124" name="Google Shape;124;g31f130b52a0_0_56:notes"/>
           <p:cNvSpPr/>
           <p:nvPr>
             <p:ph idx="2" type="sldImg"/>
@@ -1408,7 +1412,7 @@
   <p:cSld>
     <p:spTree>
       <p:nvGrpSpPr>
-        <p:cNvPr id="130" name="Shape 130"/>
+        <p:cNvPr id="133" name="Shape 133"/>
         <p:cNvGrpSpPr/>
         <p:nvPr/>
       </p:nvGrpSpPr>
@@ -1422,7 +1426,7 @@
       </p:grpSpPr>
       <p:sp>
         <p:nvSpPr>
-          <p:cNvPr id="131" name="Google Shape;131;g31cdae8d7b4_0_44:notes"/>
+          <p:cNvPr id="134" name="Google Shape;134;g31cdae8d7b4_0_44:notes"/>
           <p:cNvSpPr txBox="1"/>
           <p:nvPr>
             <p:ph idx="1" type="body"/>
@@ -1461,7 +1465,7 @@
       </p:sp>
       <p:sp>
         <p:nvSpPr>
-          <p:cNvPr id="132" name="Google Shape;132;g31cdae8d7b4_0_44:notes"/>
+          <p:cNvPr id="135" name="Google Shape;135;g31cdae8d7b4_0_44:notes"/>
           <p:cNvSpPr/>
           <p:nvPr>
             <p:ph idx="2" type="sldImg"/>
@@ -1507,7 +1511,7 @@
   <p:cSld>
     <p:spTree>
       <p:nvGrpSpPr>
-        <p:cNvPr id="139" name="Shape 139"/>
+        <p:cNvPr id="143" name="Shape 143"/>
         <p:cNvGrpSpPr/>
         <p:nvPr/>
       </p:nvGrpSpPr>
@@ -1521,7 +1525,7 @@
       </p:grpSpPr>
       <p:sp>
         <p:nvSpPr>
-          <p:cNvPr id="140" name="Google Shape;140;g31f130b52a0_0_65:notes"/>
+          <p:cNvPr id="144" name="Google Shape;144;g31f130b52a0_0_65:notes"/>
           <p:cNvSpPr txBox="1"/>
           <p:nvPr>
             <p:ph idx="1" type="body"/>
@@ -1560,7 +1564,7 @@
       </p:sp>
       <p:sp>
         <p:nvSpPr>
-          <p:cNvPr id="141" name="Google Shape;141;g31f130b52a0_0_65:notes"/>
+          <p:cNvPr id="145" name="Google Shape;145;g31f130b52a0_0_65:notes"/>
           <p:cNvSpPr/>
           <p:nvPr>
             <p:ph idx="2" type="sldImg"/>
@@ -1606,7 +1610,7 @@
   <p:cSld>
     <p:spTree>
       <p:nvGrpSpPr>
-        <p:cNvPr id="149" name="Shape 149"/>
+        <p:cNvPr id="154" name="Shape 154"/>
         <p:cNvGrpSpPr/>
         <p:nvPr/>
       </p:nvGrpSpPr>
@@ -1620,7 +1624,7 @@
       </p:grpSpPr>
       <p:sp>
         <p:nvSpPr>
-          <p:cNvPr id="150" name="Google Shape;150;g31cdae8d7b4_0_0:notes"/>
+          <p:cNvPr id="155" name="Google Shape;155;g31cdae8d7b4_0_0:notes"/>
           <p:cNvSpPr txBox="1"/>
           <p:nvPr>
             <p:ph idx="1" type="body"/>
@@ -1659,7 +1663,7 @@
       </p:sp>
       <p:sp>
         <p:nvSpPr>
-          <p:cNvPr id="151" name="Google Shape;151;g31cdae8d7b4_0_0:notes"/>
+          <p:cNvPr id="156" name="Google Shape;156;g31cdae8d7b4_0_0:notes"/>
           <p:cNvSpPr/>
           <p:nvPr>
             <p:ph idx="2" type="sldImg"/>
@@ -1705,7 +1709,7 @@
   <p:cSld>
     <p:spTree>
       <p:nvGrpSpPr>
-        <p:cNvPr id="158" name="Shape 158"/>
+        <p:cNvPr id="164" name="Shape 164"/>
         <p:cNvGrpSpPr/>
         <p:nvPr/>
       </p:nvGrpSpPr>
@@ -1719,7 +1723,7 @@
       </p:grpSpPr>
       <p:sp>
         <p:nvSpPr>
-          <p:cNvPr id="159" name="Google Shape;159;g31cdae8d7b4_0_28:notes"/>
+          <p:cNvPr id="165" name="Google Shape;165;g31cdae8d7b4_0_28:notes"/>
           <p:cNvSpPr txBox="1"/>
           <p:nvPr>
             <p:ph idx="1" type="body"/>
@@ -1758,7 +1762,7 @@
       </p:sp>
       <p:sp>
         <p:nvSpPr>
-          <p:cNvPr id="160" name="Google Shape;160;g31cdae8d7b4_0_28:notes"/>
+          <p:cNvPr id="166" name="Google Shape;166;g31cdae8d7b4_0_28:notes"/>
           <p:cNvSpPr/>
           <p:nvPr>
             <p:ph idx="2" type="sldImg"/>
@@ -10702,7 +10706,7 @@
     <p:sldLayoutId id="2147483657" r:id="rId10"/>
     <p:sldLayoutId id="2147483658" r:id="rId11"/>
   </p:sldLayoutIdLst>
-  <p:hf dt="0" ftr="0" hdr="0"/>
+  <p:hf dt="0" ftr="0" hdr="0" sldNum="0"/>
   <p:txStyles>
     <p:titleStyle>
       <a:defPPr lvl="0" marR="0" rtl="0" algn="l">
@@ -11822,53 +11826,9 @@
           </a:ln>
         </p:spPr>
       </p:sp>
-      <p:sp>
-        <p:nvSpPr>
-          <p:cNvPr id="88" name="Google Shape;88;p13"/>
-          <p:cNvSpPr txBox="1"/>
-          <p:nvPr>
-            <p:ph idx="12" type="sldNum"/>
-          </p:nvPr>
-        </p:nvSpPr>
-        <p:spPr>
-          <a:xfrm>
-            <a:off x="6553200" y="6356350"/>
-            <a:ext cx="2133600" cy="365100"/>
-          </a:xfrm>
-          <a:prstGeom prst="rect">
-            <a:avLst/>
-          </a:prstGeom>
-        </p:spPr>
-        <p:txBody>
-          <a:bodyPr anchorCtr="0" anchor="ctr" bIns="45700" lIns="91425" spcFirstLastPara="1" rIns="91425" wrap="square" tIns="45700">
-            <a:noAutofit/>
-          </a:bodyPr>
-          <a:lstStyle/>
-          <a:p>
-            <a:pPr indent="0" lvl="0" marL="0" rtl="0" algn="r">
-              <a:spcBef>
-                <a:spcPts val="0"/>
-              </a:spcBef>
-              <a:spcAft>
-                <a:spcPts val="0"/>
-              </a:spcAft>
-              <a:buClr>
-                <a:srgbClr val="000000"/>
-              </a:buClr>
-              <a:buFont typeface="Arial"/>
-              <a:buNone/>
-            </a:pPr>
-            <a:fld id="{00000000-1234-1234-1234-123412341234}" type="slidenum">
-              <a:rPr lang="en-US"/>
-              <a:t>‹#›</a:t>
-            </a:fld>
-            <a:endParaRPr/>
-          </a:p>
-        </p:txBody>
-      </p:sp>
       <p:pic>
         <p:nvPicPr>
-          <p:cNvPr id="89" name="Google Shape;89;p13"/>
+          <p:cNvPr id="88" name="Google Shape;88;p13"/>
           <p:cNvPicPr preferRelativeResize="0"/>
           <p:nvPr/>
         </p:nvPicPr>
@@ -11914,7 +11874,7 @@
     </p:bg>
     <p:spTree>
       <p:nvGrpSpPr>
-        <p:cNvPr id="170" name="Shape 170"/>
+        <p:cNvPr id="177" name="Shape 177"/>
         <p:cNvGrpSpPr/>
         <p:nvPr/>
       </p:nvGrpSpPr>
@@ -11928,7 +11888,7 @@
       </p:grpSpPr>
       <p:sp>
         <p:nvSpPr>
-          <p:cNvPr id="171" name="Google Shape;171;p22"/>
+          <p:cNvPr id="178" name="Google Shape;178;p22"/>
           <p:cNvSpPr/>
           <p:nvPr/>
         </p:nvSpPr>
@@ -11986,7 +11946,7 @@
       </p:sp>
       <p:sp>
         <p:nvSpPr>
-          <p:cNvPr id="172" name="Google Shape;172;p22"/>
+          <p:cNvPr id="179" name="Google Shape;179;p22"/>
           <p:cNvSpPr txBox="1"/>
           <p:nvPr/>
         </p:nvSpPr>
@@ -12043,7 +12003,7 @@
       </p:sp>
       <p:sp>
         <p:nvSpPr>
-          <p:cNvPr id="173" name="Google Shape;173;p22"/>
+          <p:cNvPr id="180" name="Google Shape;180;p22"/>
           <p:cNvSpPr/>
           <p:nvPr/>
         </p:nvSpPr>
@@ -12080,49 +12040,9 @@
           </a:ln>
         </p:spPr>
       </p:sp>
-      <p:sp>
-        <p:nvSpPr>
-          <p:cNvPr id="174" name="Google Shape;174;p22"/>
-          <p:cNvSpPr txBox="1"/>
-          <p:nvPr>
-            <p:ph idx="12" type="sldNum"/>
-          </p:nvPr>
-        </p:nvSpPr>
-        <p:spPr>
-          <a:xfrm>
-            <a:off x="6725600" y="7620650"/>
-            <a:ext cx="2133600" cy="365100"/>
-          </a:xfrm>
-          <a:prstGeom prst="rect">
-            <a:avLst/>
-          </a:prstGeom>
-        </p:spPr>
-        <p:txBody>
-          <a:bodyPr anchorCtr="0" anchor="ctr" bIns="45700" lIns="91425" spcFirstLastPara="1" rIns="91425" wrap="square" tIns="45700">
-            <a:noAutofit/>
-          </a:bodyPr>
-          <a:lstStyle/>
-          <a:p>
-            <a:pPr indent="0" lvl="0" marL="0" rtl="0" algn="r">
-              <a:spcBef>
-                <a:spcPts val="0"/>
-              </a:spcBef>
-              <a:spcAft>
-                <a:spcPts val="0"/>
-              </a:spcAft>
-              <a:buNone/>
-            </a:pPr>
-            <a:fld id="{00000000-1234-1234-1234-123412341234}" type="slidenum">
-              <a:rPr lang="en-US"/>
-              <a:t>‹#›</a:t>
-            </a:fld>
-            <a:endParaRPr/>
-          </a:p>
-        </p:txBody>
-      </p:sp>
       <p:pic>
         <p:nvPicPr>
-          <p:cNvPr id="175" name="Google Shape;175;p22"/>
+          <p:cNvPr id="181" name="Google Shape;181;p22"/>
           <p:cNvPicPr preferRelativeResize="0"/>
           <p:nvPr/>
         </p:nvPicPr>
@@ -12135,8 +12055,8 @@
         </p:blipFill>
         <p:spPr>
           <a:xfrm>
-            <a:off x="1500675" y="1233500"/>
-            <a:ext cx="15631650" cy="9042801"/>
+            <a:off x="2351500" y="1212963"/>
+            <a:ext cx="13585000" cy="7858825"/>
           </a:xfrm>
           <a:prstGeom prst="rect">
             <a:avLst/>
@@ -12147,6 +12067,118 @@
           </a:ln>
         </p:spPr>
       </p:pic>
+      <p:sp>
+        <p:nvSpPr>
+          <p:cNvPr id="182" name="Google Shape;182;p22"/>
+          <p:cNvSpPr/>
+          <p:nvPr/>
+        </p:nvSpPr>
+        <p:spPr>
+          <a:xfrm>
+            <a:off x="7600950" y="8905423"/>
+            <a:ext cx="3086100" cy="1348604"/>
+          </a:xfrm>
+          <a:custGeom>
+            <a:rect b="b" l="l" r="r" t="t"/>
+            <a:pathLst>
+              <a:path extrusionOk="0" h="1348604" w="3086100">
+                <a:moveTo>
+                  <a:pt x="0" y="0"/>
+                </a:moveTo>
+                <a:lnTo>
+                  <a:pt x="3086100" y="0"/>
+                </a:lnTo>
+                <a:lnTo>
+                  <a:pt x="3086100" y="1348604"/>
+                </a:lnTo>
+                <a:lnTo>
+                  <a:pt x="0" y="1348604"/>
+                </a:lnTo>
+                <a:lnTo>
+                  <a:pt x="0" y="0"/>
+                </a:lnTo>
+                <a:close/>
+              </a:path>
+            </a:pathLst>
+          </a:custGeom>
+          <a:blipFill rotWithShape="1">
+            <a:blip r:embed="rId4">
+              <a:alphaModFix/>
+            </a:blip>
+            <a:stretch>
+              <a:fillRect b="0" l="0" r="0" t="0"/>
+            </a:stretch>
+          </a:blipFill>
+          <a:ln>
+            <a:noFill/>
+          </a:ln>
+        </p:spPr>
+      </p:sp>
+      <p:sp>
+        <p:nvSpPr>
+          <p:cNvPr id="183" name="Google Shape;183;p22"/>
+          <p:cNvSpPr txBox="1"/>
+          <p:nvPr/>
+        </p:nvSpPr>
+        <p:spPr>
+          <a:xfrm>
+            <a:off x="8658299" y="9210133"/>
+            <a:ext cx="971400" cy="739200"/>
+          </a:xfrm>
+          <a:prstGeom prst="rect">
+            <a:avLst/>
+          </a:prstGeom>
+          <a:noFill/>
+          <a:ln>
+            <a:noFill/>
+          </a:ln>
+        </p:spPr>
+        <p:txBody>
+          <a:bodyPr anchorCtr="0" anchor="t" bIns="0" lIns="0" spcFirstLastPara="1" rIns="0" wrap="square" tIns="0">
+            <a:spAutoFit/>
+          </a:bodyPr>
+          <a:lstStyle/>
+          <a:p>
+            <a:pPr indent="0" lvl="0" marL="0" marR="0" rtl="0" algn="ctr">
+              <a:lnSpc>
+                <a:spcPct val="168034"/>
+              </a:lnSpc>
+              <a:spcBef>
+                <a:spcPts val="0"/>
+              </a:spcBef>
+              <a:spcAft>
+                <a:spcPts val="0"/>
+              </a:spcAft>
+              <a:buNone/>
+            </a:pPr>
+            <a:r>
+              <a:rPr b="1" i="0" lang="en-US" sz="4802" u="none" cap="none" strike="noStrike">
+                <a:solidFill>
+                  <a:srgbClr val="FFFFFF"/>
+                </a:solidFill>
+                <a:latin typeface="Hind Guntur"/>
+                <a:ea typeface="Hind Guntur"/>
+                <a:cs typeface="Hind Guntur"/>
+                <a:sym typeface="Hind Guntur"/>
+              </a:rPr>
+              <a:t>0</a:t>
+            </a:r>
+            <a:r>
+              <a:rPr b="1" lang="en-US" sz="4802">
+                <a:solidFill>
+                  <a:srgbClr val="FFFFFF"/>
+                </a:solidFill>
+                <a:latin typeface="Hind Guntur"/>
+                <a:ea typeface="Hind Guntur"/>
+                <a:cs typeface="Hind Guntur"/>
+                <a:sym typeface="Hind Guntur"/>
+              </a:rPr>
+              <a:t>9</a:t>
+            </a:r>
+            <a:endParaRPr/>
+          </a:p>
+        </p:txBody>
+      </p:sp>
     </p:spTree>
   </p:cSld>
   <p:clrMapOvr>
@@ -12167,7 +12199,7 @@
     </p:bg>
     <p:spTree>
       <p:nvGrpSpPr>
-        <p:cNvPr id="179" name="Shape 179"/>
+        <p:cNvPr id="187" name="Shape 187"/>
         <p:cNvGrpSpPr/>
         <p:nvPr/>
       </p:nvGrpSpPr>
@@ -12179,49 +12211,9 @@
           <a:chExt cx="0" cy="0"/>
         </a:xfrm>
       </p:grpSpPr>
-      <p:sp>
-        <p:nvSpPr>
-          <p:cNvPr id="180" name="Google Shape;180;p23"/>
-          <p:cNvSpPr txBox="1"/>
-          <p:nvPr>
-            <p:ph idx="12" type="sldNum"/>
-          </p:nvPr>
-        </p:nvSpPr>
-        <p:spPr>
-          <a:xfrm>
-            <a:off x="6553200" y="6356350"/>
-            <a:ext cx="2133600" cy="365100"/>
-          </a:xfrm>
-          <a:prstGeom prst="rect">
-            <a:avLst/>
-          </a:prstGeom>
-        </p:spPr>
-        <p:txBody>
-          <a:bodyPr anchorCtr="0" anchor="ctr" bIns="45700" lIns="91425" spcFirstLastPara="1" rIns="91425" wrap="square" tIns="45700">
-            <a:noAutofit/>
-          </a:bodyPr>
-          <a:lstStyle/>
-          <a:p>
-            <a:pPr indent="0" lvl="0" marL="0" rtl="0" algn="r">
-              <a:spcBef>
-                <a:spcPts val="0"/>
-              </a:spcBef>
-              <a:spcAft>
-                <a:spcPts val="0"/>
-              </a:spcAft>
-              <a:buNone/>
-            </a:pPr>
-            <a:fld id="{00000000-1234-1234-1234-123412341234}" type="slidenum">
-              <a:rPr lang="en-US"/>
-              <a:t>‹#›</a:t>
-            </a:fld>
-            <a:endParaRPr/>
-          </a:p>
-        </p:txBody>
-      </p:sp>
       <p:pic>
         <p:nvPicPr>
-          <p:cNvPr id="181" name="Google Shape;181;p23"/>
+          <p:cNvPr id="188" name="Google Shape;188;p23"/>
           <p:cNvPicPr preferRelativeResize="0"/>
           <p:nvPr/>
         </p:nvPicPr>
@@ -12248,7 +12240,7 @@
       </p:pic>
       <p:sp>
         <p:nvSpPr>
-          <p:cNvPr id="182" name="Google Shape;182;p23"/>
+          <p:cNvPr id="189" name="Google Shape;189;p23"/>
           <p:cNvSpPr txBox="1"/>
           <p:nvPr/>
         </p:nvSpPr>
@@ -12309,7 +12301,7 @@
       </p:sp>
       <p:sp>
         <p:nvSpPr>
-          <p:cNvPr id="183" name="Google Shape;183;p23"/>
+          <p:cNvPr id="190" name="Google Shape;190;p23"/>
           <p:cNvSpPr txBox="1"/>
           <p:nvPr/>
         </p:nvSpPr>
@@ -12388,7 +12380,7 @@
     </p:bg>
     <p:spTree>
       <p:nvGrpSpPr>
-        <p:cNvPr id="93" name="Shape 93"/>
+        <p:cNvPr id="92" name="Shape 92"/>
         <p:cNvGrpSpPr/>
         <p:nvPr/>
       </p:nvGrpSpPr>
@@ -12402,7 +12394,7 @@
       </p:grpSpPr>
       <p:sp>
         <p:nvSpPr>
-          <p:cNvPr id="94" name="Google Shape;94;p14"/>
+          <p:cNvPr id="93" name="Google Shape;93;p14"/>
           <p:cNvSpPr/>
           <p:nvPr/>
         </p:nvSpPr>
@@ -12460,7 +12452,7 @@
       </p:sp>
       <p:sp>
         <p:nvSpPr>
-          <p:cNvPr id="95" name="Google Shape;95;p14"/>
+          <p:cNvPr id="94" name="Google Shape;94;p14"/>
           <p:cNvSpPr txBox="1"/>
           <p:nvPr/>
         </p:nvSpPr>
@@ -12517,7 +12509,7 @@
       </p:sp>
       <p:sp>
         <p:nvSpPr>
-          <p:cNvPr id="96" name="Google Shape;96;p14"/>
+          <p:cNvPr id="95" name="Google Shape;95;p14"/>
           <p:cNvSpPr txBox="1"/>
           <p:nvPr/>
         </p:nvSpPr>
@@ -12702,7 +12694,7 @@
       </p:sp>
       <p:sp>
         <p:nvSpPr>
-          <p:cNvPr id="97" name="Google Shape;97;p14"/>
+          <p:cNvPr id="96" name="Google Shape;96;p14"/>
           <p:cNvSpPr/>
           <p:nvPr/>
         </p:nvSpPr>
@@ -12741,47 +12733,7 @@
       </p:sp>
       <p:sp>
         <p:nvSpPr>
-          <p:cNvPr id="98" name="Google Shape;98;p14"/>
-          <p:cNvSpPr txBox="1"/>
-          <p:nvPr>
-            <p:ph idx="12" type="sldNum"/>
-          </p:nvPr>
-        </p:nvSpPr>
-        <p:spPr>
-          <a:xfrm>
-            <a:off x="6553100" y="7087350"/>
-            <a:ext cx="2133600" cy="365100"/>
-          </a:xfrm>
-          <a:prstGeom prst="rect">
-            <a:avLst/>
-          </a:prstGeom>
-        </p:spPr>
-        <p:txBody>
-          <a:bodyPr anchorCtr="0" anchor="ctr" bIns="45700" lIns="91425" spcFirstLastPara="1" rIns="91425" wrap="square" tIns="45700">
-            <a:noAutofit/>
-          </a:bodyPr>
-          <a:lstStyle/>
-          <a:p>
-            <a:pPr indent="0" lvl="0" marL="0" rtl="0" algn="r">
-              <a:spcBef>
-                <a:spcPts val="0"/>
-              </a:spcBef>
-              <a:spcAft>
-                <a:spcPts val="0"/>
-              </a:spcAft>
-              <a:buNone/>
-            </a:pPr>
-            <a:fld id="{00000000-1234-1234-1234-123412341234}" type="slidenum">
-              <a:rPr lang="en-US"/>
-              <a:t>‹#›</a:t>
-            </a:fld>
-            <a:endParaRPr/>
-          </a:p>
-        </p:txBody>
-      </p:sp>
-      <p:sp>
-        <p:nvSpPr>
-          <p:cNvPr id="99" name="Google Shape;99;p14"/>
+          <p:cNvPr id="97" name="Google Shape;97;p14"/>
           <p:cNvSpPr/>
           <p:nvPr/>
         </p:nvSpPr>
@@ -12825,6 +12777,118 @@
             <a:noFill/>
           </a:ln>
         </p:spPr>
+      </p:sp>
+      <p:sp>
+        <p:nvSpPr>
+          <p:cNvPr id="98" name="Google Shape;98;p14"/>
+          <p:cNvSpPr/>
+          <p:nvPr/>
+        </p:nvSpPr>
+        <p:spPr>
+          <a:xfrm>
+            <a:off x="7600950" y="8905423"/>
+            <a:ext cx="3086100" cy="1348604"/>
+          </a:xfrm>
+          <a:custGeom>
+            <a:rect b="b" l="l" r="r" t="t"/>
+            <a:pathLst>
+              <a:path extrusionOk="0" h="1348604" w="3086100">
+                <a:moveTo>
+                  <a:pt x="0" y="0"/>
+                </a:moveTo>
+                <a:lnTo>
+                  <a:pt x="3086100" y="0"/>
+                </a:lnTo>
+                <a:lnTo>
+                  <a:pt x="3086100" y="1348604"/>
+                </a:lnTo>
+                <a:lnTo>
+                  <a:pt x="0" y="1348604"/>
+                </a:lnTo>
+                <a:lnTo>
+                  <a:pt x="0" y="0"/>
+                </a:lnTo>
+                <a:close/>
+              </a:path>
+            </a:pathLst>
+          </a:custGeom>
+          <a:blipFill rotWithShape="1">
+            <a:blip r:embed="rId4">
+              <a:alphaModFix/>
+            </a:blip>
+            <a:stretch>
+              <a:fillRect b="0" l="0" r="0" t="0"/>
+            </a:stretch>
+          </a:blipFill>
+          <a:ln>
+            <a:noFill/>
+          </a:ln>
+        </p:spPr>
+      </p:sp>
+      <p:sp>
+        <p:nvSpPr>
+          <p:cNvPr id="99" name="Google Shape;99;p14"/>
+          <p:cNvSpPr txBox="1"/>
+          <p:nvPr/>
+        </p:nvSpPr>
+        <p:spPr>
+          <a:xfrm>
+            <a:off x="8658299" y="9210133"/>
+            <a:ext cx="971400" cy="739200"/>
+          </a:xfrm>
+          <a:prstGeom prst="rect">
+            <a:avLst/>
+          </a:prstGeom>
+          <a:noFill/>
+          <a:ln>
+            <a:noFill/>
+          </a:ln>
+        </p:spPr>
+        <p:txBody>
+          <a:bodyPr anchorCtr="0" anchor="t" bIns="0" lIns="0" spcFirstLastPara="1" rIns="0" wrap="square" tIns="0">
+            <a:spAutoFit/>
+          </a:bodyPr>
+          <a:lstStyle/>
+          <a:p>
+            <a:pPr indent="0" lvl="0" marL="0" marR="0" rtl="0" algn="ctr">
+              <a:lnSpc>
+                <a:spcPct val="168034"/>
+              </a:lnSpc>
+              <a:spcBef>
+                <a:spcPts val="0"/>
+              </a:spcBef>
+              <a:spcAft>
+                <a:spcPts val="0"/>
+              </a:spcAft>
+              <a:buNone/>
+            </a:pPr>
+            <a:r>
+              <a:rPr b="1" i="0" lang="en-US" sz="4802" u="none" cap="none" strike="noStrike">
+                <a:solidFill>
+                  <a:srgbClr val="FFFFFF"/>
+                </a:solidFill>
+                <a:latin typeface="Hind Guntur"/>
+                <a:ea typeface="Hind Guntur"/>
+                <a:cs typeface="Hind Guntur"/>
+                <a:sym typeface="Hind Guntur"/>
+              </a:rPr>
+              <a:t>0</a:t>
+            </a:r>
+            <a:r>
+              <a:rPr b="1" lang="en-US" sz="4802">
+                <a:solidFill>
+                  <a:srgbClr val="FFFFFF"/>
+                </a:solidFill>
+                <a:latin typeface="Hind Guntur"/>
+                <a:ea typeface="Hind Guntur"/>
+                <a:cs typeface="Hind Guntur"/>
+                <a:sym typeface="Hind Guntur"/>
+              </a:rPr>
+              <a:t>1</a:t>
+            </a:r>
+            <a:endParaRPr/>
+          </a:p>
+        </p:txBody>
       </p:sp>
     </p:spTree>
   </p:cSld>
@@ -13192,46 +13256,6 @@
       <p:sp>
         <p:nvSpPr>
           <p:cNvPr id="108" name="Google Shape;108;p15"/>
-          <p:cNvSpPr txBox="1"/>
-          <p:nvPr>
-            <p:ph idx="12" type="sldNum"/>
-          </p:nvPr>
-        </p:nvSpPr>
-        <p:spPr>
-          <a:xfrm>
-            <a:off x="6553100" y="7455100"/>
-            <a:ext cx="2133600" cy="365100"/>
-          </a:xfrm>
-          <a:prstGeom prst="rect">
-            <a:avLst/>
-          </a:prstGeom>
-        </p:spPr>
-        <p:txBody>
-          <a:bodyPr anchorCtr="0" anchor="ctr" bIns="45700" lIns="91425" spcFirstLastPara="1" rIns="91425" wrap="square" tIns="45700">
-            <a:noAutofit/>
-          </a:bodyPr>
-          <a:lstStyle/>
-          <a:p>
-            <a:pPr indent="0" lvl="0" marL="0" rtl="0" algn="r">
-              <a:spcBef>
-                <a:spcPts val="0"/>
-              </a:spcBef>
-              <a:spcAft>
-                <a:spcPts val="0"/>
-              </a:spcAft>
-              <a:buNone/>
-            </a:pPr>
-            <a:fld id="{00000000-1234-1234-1234-123412341234}" type="slidenum">
-              <a:rPr lang="en-US"/>
-              <a:t>‹#›</a:t>
-            </a:fld>
-            <a:endParaRPr/>
-          </a:p>
-        </p:txBody>
-      </p:sp>
-      <p:sp>
-        <p:nvSpPr>
-          <p:cNvPr id="109" name="Google Shape;109;p15"/>
           <p:cNvSpPr/>
           <p:nvPr/>
         </p:nvSpPr>
@@ -13275,6 +13299,118 @@
             <a:noFill/>
           </a:ln>
         </p:spPr>
+      </p:sp>
+      <p:sp>
+        <p:nvSpPr>
+          <p:cNvPr id="109" name="Google Shape;109;p15"/>
+          <p:cNvSpPr/>
+          <p:nvPr/>
+        </p:nvSpPr>
+        <p:spPr>
+          <a:xfrm>
+            <a:off x="7600950" y="8905423"/>
+            <a:ext cx="3086100" cy="1348604"/>
+          </a:xfrm>
+          <a:custGeom>
+            <a:rect b="b" l="l" r="r" t="t"/>
+            <a:pathLst>
+              <a:path extrusionOk="0" h="1348604" w="3086100">
+                <a:moveTo>
+                  <a:pt x="0" y="0"/>
+                </a:moveTo>
+                <a:lnTo>
+                  <a:pt x="3086100" y="0"/>
+                </a:lnTo>
+                <a:lnTo>
+                  <a:pt x="3086100" y="1348604"/>
+                </a:lnTo>
+                <a:lnTo>
+                  <a:pt x="0" y="1348604"/>
+                </a:lnTo>
+                <a:lnTo>
+                  <a:pt x="0" y="0"/>
+                </a:lnTo>
+                <a:close/>
+              </a:path>
+            </a:pathLst>
+          </a:custGeom>
+          <a:blipFill rotWithShape="1">
+            <a:blip r:embed="rId4">
+              <a:alphaModFix/>
+            </a:blip>
+            <a:stretch>
+              <a:fillRect b="0" l="0" r="0" t="0"/>
+            </a:stretch>
+          </a:blipFill>
+          <a:ln>
+            <a:noFill/>
+          </a:ln>
+        </p:spPr>
+      </p:sp>
+      <p:sp>
+        <p:nvSpPr>
+          <p:cNvPr id="110" name="Google Shape;110;p15"/>
+          <p:cNvSpPr txBox="1"/>
+          <p:nvPr/>
+        </p:nvSpPr>
+        <p:spPr>
+          <a:xfrm>
+            <a:off x="8658299" y="9210133"/>
+            <a:ext cx="971400" cy="739200"/>
+          </a:xfrm>
+          <a:prstGeom prst="rect">
+            <a:avLst/>
+          </a:prstGeom>
+          <a:noFill/>
+          <a:ln>
+            <a:noFill/>
+          </a:ln>
+        </p:spPr>
+        <p:txBody>
+          <a:bodyPr anchorCtr="0" anchor="t" bIns="0" lIns="0" spcFirstLastPara="1" rIns="0" wrap="square" tIns="0">
+            <a:spAutoFit/>
+          </a:bodyPr>
+          <a:lstStyle/>
+          <a:p>
+            <a:pPr indent="0" lvl="0" marL="0" marR="0" rtl="0" algn="ctr">
+              <a:lnSpc>
+                <a:spcPct val="168034"/>
+              </a:lnSpc>
+              <a:spcBef>
+                <a:spcPts val="0"/>
+              </a:spcBef>
+              <a:spcAft>
+                <a:spcPts val="0"/>
+              </a:spcAft>
+              <a:buNone/>
+            </a:pPr>
+            <a:r>
+              <a:rPr b="1" i="0" lang="en-US" sz="4802" u="none" cap="none" strike="noStrike">
+                <a:solidFill>
+                  <a:srgbClr val="FFFFFF"/>
+                </a:solidFill>
+                <a:latin typeface="Hind Guntur"/>
+                <a:ea typeface="Hind Guntur"/>
+                <a:cs typeface="Hind Guntur"/>
+                <a:sym typeface="Hind Guntur"/>
+              </a:rPr>
+              <a:t>0</a:t>
+            </a:r>
+            <a:r>
+              <a:rPr b="1" lang="en-US" sz="4802">
+                <a:solidFill>
+                  <a:srgbClr val="FFFFFF"/>
+                </a:solidFill>
+                <a:latin typeface="Hind Guntur"/>
+                <a:ea typeface="Hind Guntur"/>
+                <a:cs typeface="Hind Guntur"/>
+                <a:sym typeface="Hind Guntur"/>
+              </a:rPr>
+              <a:t>2</a:t>
+            </a:r>
+            <a:endParaRPr/>
+          </a:p>
+        </p:txBody>
       </p:sp>
     </p:spTree>
   </p:cSld>
@@ -13296,7 +13432,7 @@
     </p:bg>
     <p:spTree>
       <p:nvGrpSpPr>
-        <p:cNvPr id="113" name="Shape 113"/>
+        <p:cNvPr id="114" name="Shape 114"/>
         <p:cNvGrpSpPr/>
         <p:nvPr/>
       </p:nvGrpSpPr>
@@ -13310,7 +13446,7 @@
       </p:grpSpPr>
       <p:sp>
         <p:nvSpPr>
-          <p:cNvPr id="114" name="Google Shape;114;p16"/>
+          <p:cNvPr id="115" name="Google Shape;115;p16"/>
           <p:cNvSpPr/>
           <p:nvPr/>
         </p:nvSpPr>
@@ -13368,7 +13504,7 @@
       </p:sp>
       <p:sp>
         <p:nvSpPr>
-          <p:cNvPr id="115" name="Google Shape;115;p16"/>
+          <p:cNvPr id="116" name="Google Shape;116;p16"/>
           <p:cNvSpPr txBox="1"/>
           <p:nvPr/>
         </p:nvSpPr>
@@ -13425,7 +13561,7 @@
       </p:sp>
       <p:sp>
         <p:nvSpPr>
-          <p:cNvPr id="116" name="Google Shape;116;p16"/>
+          <p:cNvPr id="117" name="Google Shape;117;p16"/>
           <p:cNvSpPr txBox="1"/>
           <p:nvPr/>
         </p:nvSpPr>
@@ -13637,7 +13773,7 @@
       </p:sp>
       <p:sp>
         <p:nvSpPr>
-          <p:cNvPr id="117" name="Google Shape;117;p16"/>
+          <p:cNvPr id="118" name="Google Shape;118;p16"/>
           <p:cNvSpPr/>
           <p:nvPr/>
         </p:nvSpPr>
@@ -13673,46 +13809,6 @@
             <a:noFill/>
           </a:ln>
         </p:spPr>
-      </p:sp>
-      <p:sp>
-        <p:nvSpPr>
-          <p:cNvPr id="118" name="Google Shape;118;p16"/>
-          <p:cNvSpPr txBox="1"/>
-          <p:nvPr>
-            <p:ph idx="12" type="sldNum"/>
-          </p:nvPr>
-        </p:nvSpPr>
-        <p:spPr>
-          <a:xfrm>
-            <a:off x="6553100" y="7448250"/>
-            <a:ext cx="2133600" cy="365100"/>
-          </a:xfrm>
-          <a:prstGeom prst="rect">
-            <a:avLst/>
-          </a:prstGeom>
-        </p:spPr>
-        <p:txBody>
-          <a:bodyPr anchorCtr="0" anchor="ctr" bIns="45700" lIns="91425" spcFirstLastPara="1" rIns="91425" wrap="square" tIns="45700">
-            <a:noAutofit/>
-          </a:bodyPr>
-          <a:lstStyle/>
-          <a:p>
-            <a:pPr indent="0" lvl="0" marL="0" rtl="0" algn="r">
-              <a:spcBef>
-                <a:spcPts val="0"/>
-              </a:spcBef>
-              <a:spcAft>
-                <a:spcPts val="0"/>
-              </a:spcAft>
-              <a:buNone/>
-            </a:pPr>
-            <a:fld id="{00000000-1234-1234-1234-123412341234}" type="slidenum">
-              <a:rPr lang="en-US"/>
-              <a:t>‹#›</a:t>
-            </a:fld>
-            <a:endParaRPr/>
-          </a:p>
-        </p:txBody>
       </p:sp>
       <p:sp>
         <p:nvSpPr>
@@ -13760,6 +13856,118 @@
             <a:noFill/>
           </a:ln>
         </p:spPr>
+      </p:sp>
+      <p:sp>
+        <p:nvSpPr>
+          <p:cNvPr id="120" name="Google Shape;120;p16"/>
+          <p:cNvSpPr/>
+          <p:nvPr/>
+        </p:nvSpPr>
+        <p:spPr>
+          <a:xfrm>
+            <a:off x="7600950" y="8905423"/>
+            <a:ext cx="3086100" cy="1348604"/>
+          </a:xfrm>
+          <a:custGeom>
+            <a:rect b="b" l="l" r="r" t="t"/>
+            <a:pathLst>
+              <a:path extrusionOk="0" h="1348604" w="3086100">
+                <a:moveTo>
+                  <a:pt x="0" y="0"/>
+                </a:moveTo>
+                <a:lnTo>
+                  <a:pt x="3086100" y="0"/>
+                </a:lnTo>
+                <a:lnTo>
+                  <a:pt x="3086100" y="1348604"/>
+                </a:lnTo>
+                <a:lnTo>
+                  <a:pt x="0" y="1348604"/>
+                </a:lnTo>
+                <a:lnTo>
+                  <a:pt x="0" y="0"/>
+                </a:lnTo>
+                <a:close/>
+              </a:path>
+            </a:pathLst>
+          </a:custGeom>
+          <a:blipFill rotWithShape="1">
+            <a:blip r:embed="rId4">
+              <a:alphaModFix/>
+            </a:blip>
+            <a:stretch>
+              <a:fillRect b="0" l="0" r="0" t="0"/>
+            </a:stretch>
+          </a:blipFill>
+          <a:ln>
+            <a:noFill/>
+          </a:ln>
+        </p:spPr>
+      </p:sp>
+      <p:sp>
+        <p:nvSpPr>
+          <p:cNvPr id="121" name="Google Shape;121;p16"/>
+          <p:cNvSpPr txBox="1"/>
+          <p:nvPr/>
+        </p:nvSpPr>
+        <p:spPr>
+          <a:xfrm>
+            <a:off x="8658299" y="9210133"/>
+            <a:ext cx="971400" cy="739200"/>
+          </a:xfrm>
+          <a:prstGeom prst="rect">
+            <a:avLst/>
+          </a:prstGeom>
+          <a:noFill/>
+          <a:ln>
+            <a:noFill/>
+          </a:ln>
+        </p:spPr>
+        <p:txBody>
+          <a:bodyPr anchorCtr="0" anchor="t" bIns="0" lIns="0" spcFirstLastPara="1" rIns="0" wrap="square" tIns="0">
+            <a:spAutoFit/>
+          </a:bodyPr>
+          <a:lstStyle/>
+          <a:p>
+            <a:pPr indent="0" lvl="0" marL="0" marR="0" rtl="0" algn="ctr">
+              <a:lnSpc>
+                <a:spcPct val="168034"/>
+              </a:lnSpc>
+              <a:spcBef>
+                <a:spcPts val="0"/>
+              </a:spcBef>
+              <a:spcAft>
+                <a:spcPts val="0"/>
+              </a:spcAft>
+              <a:buNone/>
+            </a:pPr>
+            <a:r>
+              <a:rPr b="1" i="0" lang="en-US" sz="4802" u="none" cap="none" strike="noStrike">
+                <a:solidFill>
+                  <a:srgbClr val="FFFFFF"/>
+                </a:solidFill>
+                <a:latin typeface="Hind Guntur"/>
+                <a:ea typeface="Hind Guntur"/>
+                <a:cs typeface="Hind Guntur"/>
+                <a:sym typeface="Hind Guntur"/>
+              </a:rPr>
+              <a:t>0</a:t>
+            </a:r>
+            <a:r>
+              <a:rPr b="1" lang="en-US" sz="4802">
+                <a:solidFill>
+                  <a:srgbClr val="FFFFFF"/>
+                </a:solidFill>
+                <a:latin typeface="Hind Guntur"/>
+                <a:ea typeface="Hind Guntur"/>
+                <a:cs typeface="Hind Guntur"/>
+                <a:sym typeface="Hind Guntur"/>
+              </a:rPr>
+              <a:t>3</a:t>
+            </a:r>
+            <a:endParaRPr/>
+          </a:p>
+        </p:txBody>
       </p:sp>
     </p:spTree>
   </p:cSld>
@@ -13781,7 +13989,7 @@
     </p:bg>
     <p:spTree>
       <p:nvGrpSpPr>
-        <p:cNvPr id="123" name="Shape 123"/>
+        <p:cNvPr id="125" name="Shape 125"/>
         <p:cNvGrpSpPr/>
         <p:nvPr/>
       </p:nvGrpSpPr>
@@ -13795,7 +14003,7 @@
       </p:grpSpPr>
       <p:sp>
         <p:nvSpPr>
-          <p:cNvPr id="124" name="Google Shape;124;p17"/>
+          <p:cNvPr id="126" name="Google Shape;126;p17"/>
           <p:cNvSpPr/>
           <p:nvPr/>
         </p:nvSpPr>
@@ -13853,7 +14061,7 @@
       </p:sp>
       <p:sp>
         <p:nvSpPr>
-          <p:cNvPr id="125" name="Google Shape;125;p17"/>
+          <p:cNvPr id="127" name="Google Shape;127;p17"/>
           <p:cNvSpPr txBox="1"/>
           <p:nvPr/>
         </p:nvSpPr>
@@ -13910,7 +14118,7 @@
       </p:sp>
       <p:sp>
         <p:nvSpPr>
-          <p:cNvPr id="126" name="Google Shape;126;p17"/>
+          <p:cNvPr id="128" name="Google Shape;128;p17"/>
           <p:cNvSpPr txBox="1"/>
           <p:nvPr/>
         </p:nvSpPr>
@@ -14096,7 +14304,7 @@
       </p:sp>
       <p:sp>
         <p:nvSpPr>
-          <p:cNvPr id="127" name="Google Shape;127;p17"/>
+          <p:cNvPr id="129" name="Google Shape;129;p17"/>
           <p:cNvSpPr/>
           <p:nvPr/>
         </p:nvSpPr>
@@ -14135,47 +14343,7 @@
       </p:sp>
       <p:sp>
         <p:nvSpPr>
-          <p:cNvPr id="128" name="Google Shape;128;p17"/>
-          <p:cNvSpPr txBox="1"/>
-          <p:nvPr>
-            <p:ph idx="12" type="sldNum"/>
-          </p:nvPr>
-        </p:nvSpPr>
-        <p:spPr>
-          <a:xfrm>
-            <a:off x="6900549" y="7288500"/>
-            <a:ext cx="2070300" cy="365100"/>
-          </a:xfrm>
-          <a:prstGeom prst="rect">
-            <a:avLst/>
-          </a:prstGeom>
-        </p:spPr>
-        <p:txBody>
-          <a:bodyPr anchorCtr="0" anchor="ctr" bIns="45700" lIns="91425" spcFirstLastPara="1" rIns="91425" wrap="square" tIns="45700">
-            <a:noAutofit/>
-          </a:bodyPr>
-          <a:lstStyle/>
-          <a:p>
-            <a:pPr indent="0" lvl="0" marL="0" rtl="0" algn="r">
-              <a:spcBef>
-                <a:spcPts val="0"/>
-              </a:spcBef>
-              <a:spcAft>
-                <a:spcPts val="0"/>
-              </a:spcAft>
-              <a:buNone/>
-            </a:pPr>
-            <a:fld id="{00000000-1234-1234-1234-123412341234}" type="slidenum">
-              <a:rPr lang="en-US"/>
-              <a:t>‹#›</a:t>
-            </a:fld>
-            <a:endParaRPr/>
-          </a:p>
-        </p:txBody>
-      </p:sp>
-      <p:sp>
-        <p:nvSpPr>
-          <p:cNvPr id="129" name="Google Shape;129;p17"/>
+          <p:cNvPr id="130" name="Google Shape;130;p17"/>
           <p:cNvSpPr/>
           <p:nvPr/>
         </p:nvSpPr>
@@ -14219,6 +14387,118 @@
             <a:noFill/>
           </a:ln>
         </p:spPr>
+      </p:sp>
+      <p:sp>
+        <p:nvSpPr>
+          <p:cNvPr id="131" name="Google Shape;131;p17"/>
+          <p:cNvSpPr/>
+          <p:nvPr/>
+        </p:nvSpPr>
+        <p:spPr>
+          <a:xfrm>
+            <a:off x="7600950" y="8905423"/>
+            <a:ext cx="3086100" cy="1348604"/>
+          </a:xfrm>
+          <a:custGeom>
+            <a:rect b="b" l="l" r="r" t="t"/>
+            <a:pathLst>
+              <a:path extrusionOk="0" h="1348604" w="3086100">
+                <a:moveTo>
+                  <a:pt x="0" y="0"/>
+                </a:moveTo>
+                <a:lnTo>
+                  <a:pt x="3086100" y="0"/>
+                </a:lnTo>
+                <a:lnTo>
+                  <a:pt x="3086100" y="1348604"/>
+                </a:lnTo>
+                <a:lnTo>
+                  <a:pt x="0" y="1348604"/>
+                </a:lnTo>
+                <a:lnTo>
+                  <a:pt x="0" y="0"/>
+                </a:lnTo>
+                <a:close/>
+              </a:path>
+            </a:pathLst>
+          </a:custGeom>
+          <a:blipFill rotWithShape="1">
+            <a:blip r:embed="rId4">
+              <a:alphaModFix/>
+            </a:blip>
+            <a:stretch>
+              <a:fillRect b="0" l="0" r="0" t="0"/>
+            </a:stretch>
+          </a:blipFill>
+          <a:ln>
+            <a:noFill/>
+          </a:ln>
+        </p:spPr>
+      </p:sp>
+      <p:sp>
+        <p:nvSpPr>
+          <p:cNvPr id="132" name="Google Shape;132;p17"/>
+          <p:cNvSpPr txBox="1"/>
+          <p:nvPr/>
+        </p:nvSpPr>
+        <p:spPr>
+          <a:xfrm>
+            <a:off x="8658299" y="9210133"/>
+            <a:ext cx="971400" cy="739200"/>
+          </a:xfrm>
+          <a:prstGeom prst="rect">
+            <a:avLst/>
+          </a:prstGeom>
+          <a:noFill/>
+          <a:ln>
+            <a:noFill/>
+          </a:ln>
+        </p:spPr>
+        <p:txBody>
+          <a:bodyPr anchorCtr="0" anchor="t" bIns="0" lIns="0" spcFirstLastPara="1" rIns="0" wrap="square" tIns="0">
+            <a:spAutoFit/>
+          </a:bodyPr>
+          <a:lstStyle/>
+          <a:p>
+            <a:pPr indent="0" lvl="0" marL="0" marR="0" rtl="0" algn="ctr">
+              <a:lnSpc>
+                <a:spcPct val="168034"/>
+              </a:lnSpc>
+              <a:spcBef>
+                <a:spcPts val="0"/>
+              </a:spcBef>
+              <a:spcAft>
+                <a:spcPts val="0"/>
+              </a:spcAft>
+              <a:buNone/>
+            </a:pPr>
+            <a:r>
+              <a:rPr b="1" i="0" lang="en-US" sz="4802" u="none" cap="none" strike="noStrike">
+                <a:solidFill>
+                  <a:srgbClr val="FFFFFF"/>
+                </a:solidFill>
+                <a:latin typeface="Hind Guntur"/>
+                <a:ea typeface="Hind Guntur"/>
+                <a:cs typeface="Hind Guntur"/>
+                <a:sym typeface="Hind Guntur"/>
+              </a:rPr>
+              <a:t>0</a:t>
+            </a:r>
+            <a:r>
+              <a:rPr b="1" lang="en-US" sz="4802">
+                <a:solidFill>
+                  <a:srgbClr val="FFFFFF"/>
+                </a:solidFill>
+                <a:latin typeface="Hind Guntur"/>
+                <a:ea typeface="Hind Guntur"/>
+                <a:cs typeface="Hind Guntur"/>
+                <a:sym typeface="Hind Guntur"/>
+              </a:rPr>
+              <a:t>4</a:t>
+            </a:r>
+            <a:endParaRPr/>
+          </a:p>
+        </p:txBody>
       </p:sp>
     </p:spTree>
   </p:cSld>
@@ -14240,7 +14520,7 @@
     </p:bg>
     <p:spTree>
       <p:nvGrpSpPr>
-        <p:cNvPr id="133" name="Shape 133"/>
+        <p:cNvPr id="136" name="Shape 136"/>
         <p:cNvGrpSpPr/>
         <p:nvPr/>
       </p:nvGrpSpPr>
@@ -14254,7 +14534,7 @@
       </p:grpSpPr>
       <p:sp>
         <p:nvSpPr>
-          <p:cNvPr id="134" name="Google Shape;134;p18"/>
+          <p:cNvPr id="137" name="Google Shape;137;p18"/>
           <p:cNvSpPr/>
           <p:nvPr/>
         </p:nvSpPr>
@@ -14312,7 +14592,7 @@
       </p:sp>
       <p:sp>
         <p:nvSpPr>
-          <p:cNvPr id="135" name="Google Shape;135;p18"/>
+          <p:cNvPr id="138" name="Google Shape;138;p18"/>
           <p:cNvSpPr txBox="1"/>
           <p:nvPr/>
         </p:nvSpPr>
@@ -14381,7 +14661,7 @@
       </p:sp>
       <p:sp>
         <p:nvSpPr>
-          <p:cNvPr id="136" name="Google Shape;136;p18"/>
+          <p:cNvPr id="139" name="Google Shape;139;p18"/>
           <p:cNvSpPr/>
           <p:nvPr/>
         </p:nvSpPr>
@@ -14420,47 +14700,7 @@
       </p:sp>
       <p:sp>
         <p:nvSpPr>
-          <p:cNvPr id="137" name="Google Shape;137;p18"/>
-          <p:cNvSpPr txBox="1"/>
-          <p:nvPr>
-            <p:ph idx="12" type="sldNum"/>
-          </p:nvPr>
-        </p:nvSpPr>
-        <p:spPr>
-          <a:xfrm>
-            <a:off x="6900549" y="7288500"/>
-            <a:ext cx="2070300" cy="365100"/>
-          </a:xfrm>
-          <a:prstGeom prst="rect">
-            <a:avLst/>
-          </a:prstGeom>
-        </p:spPr>
-        <p:txBody>
-          <a:bodyPr anchorCtr="0" anchor="ctr" bIns="45700" lIns="91425" spcFirstLastPara="1" rIns="91425" wrap="square" tIns="45700">
-            <a:noAutofit/>
-          </a:bodyPr>
-          <a:lstStyle/>
-          <a:p>
-            <a:pPr indent="0" lvl="0" marL="0" rtl="0" algn="r">
-              <a:spcBef>
-                <a:spcPts val="0"/>
-              </a:spcBef>
-              <a:spcAft>
-                <a:spcPts val="0"/>
-              </a:spcAft>
-              <a:buNone/>
-            </a:pPr>
-            <a:fld id="{00000000-1234-1234-1234-123412341234}" type="slidenum">
-              <a:rPr lang="en-US"/>
-              <a:t>‹#›</a:t>
-            </a:fld>
-            <a:endParaRPr/>
-          </a:p>
-        </p:txBody>
-      </p:sp>
-      <p:sp>
-        <p:nvSpPr>
-          <p:cNvPr id="138" name="Google Shape;138;p18"/>
+          <p:cNvPr id="140" name="Google Shape;140;p18"/>
           <p:cNvSpPr/>
           <p:nvPr/>
         </p:nvSpPr>
@@ -14504,6 +14744,118 @@
             <a:noFill/>
           </a:ln>
         </p:spPr>
+      </p:sp>
+      <p:sp>
+        <p:nvSpPr>
+          <p:cNvPr id="141" name="Google Shape;141;p18"/>
+          <p:cNvSpPr/>
+          <p:nvPr/>
+        </p:nvSpPr>
+        <p:spPr>
+          <a:xfrm>
+            <a:off x="7600950" y="8905423"/>
+            <a:ext cx="3086100" cy="1348604"/>
+          </a:xfrm>
+          <a:custGeom>
+            <a:rect b="b" l="l" r="r" t="t"/>
+            <a:pathLst>
+              <a:path extrusionOk="0" h="1348604" w="3086100">
+                <a:moveTo>
+                  <a:pt x="0" y="0"/>
+                </a:moveTo>
+                <a:lnTo>
+                  <a:pt x="3086100" y="0"/>
+                </a:lnTo>
+                <a:lnTo>
+                  <a:pt x="3086100" y="1348604"/>
+                </a:lnTo>
+                <a:lnTo>
+                  <a:pt x="0" y="1348604"/>
+                </a:lnTo>
+                <a:lnTo>
+                  <a:pt x="0" y="0"/>
+                </a:lnTo>
+                <a:close/>
+              </a:path>
+            </a:pathLst>
+          </a:custGeom>
+          <a:blipFill rotWithShape="1">
+            <a:blip r:embed="rId4">
+              <a:alphaModFix/>
+            </a:blip>
+            <a:stretch>
+              <a:fillRect b="0" l="0" r="0" t="0"/>
+            </a:stretch>
+          </a:blipFill>
+          <a:ln>
+            <a:noFill/>
+          </a:ln>
+        </p:spPr>
+      </p:sp>
+      <p:sp>
+        <p:nvSpPr>
+          <p:cNvPr id="142" name="Google Shape;142;p18"/>
+          <p:cNvSpPr txBox="1"/>
+          <p:nvPr/>
+        </p:nvSpPr>
+        <p:spPr>
+          <a:xfrm>
+            <a:off x="8658299" y="9210133"/>
+            <a:ext cx="971400" cy="739200"/>
+          </a:xfrm>
+          <a:prstGeom prst="rect">
+            <a:avLst/>
+          </a:prstGeom>
+          <a:noFill/>
+          <a:ln>
+            <a:noFill/>
+          </a:ln>
+        </p:spPr>
+        <p:txBody>
+          <a:bodyPr anchorCtr="0" anchor="t" bIns="0" lIns="0" spcFirstLastPara="1" rIns="0" wrap="square" tIns="0">
+            <a:spAutoFit/>
+          </a:bodyPr>
+          <a:lstStyle/>
+          <a:p>
+            <a:pPr indent="0" lvl="0" marL="0" marR="0" rtl="0" algn="ctr">
+              <a:lnSpc>
+                <a:spcPct val="168034"/>
+              </a:lnSpc>
+              <a:spcBef>
+                <a:spcPts val="0"/>
+              </a:spcBef>
+              <a:spcAft>
+                <a:spcPts val="0"/>
+              </a:spcAft>
+              <a:buNone/>
+            </a:pPr>
+            <a:r>
+              <a:rPr b="1" i="0" lang="en-US" sz="4802" u="none" cap="none" strike="noStrike">
+                <a:solidFill>
+                  <a:srgbClr val="FFFFFF"/>
+                </a:solidFill>
+                <a:latin typeface="Hind Guntur"/>
+                <a:ea typeface="Hind Guntur"/>
+                <a:cs typeface="Hind Guntur"/>
+                <a:sym typeface="Hind Guntur"/>
+              </a:rPr>
+              <a:t>0</a:t>
+            </a:r>
+            <a:r>
+              <a:rPr b="1" lang="en-US" sz="4802">
+                <a:solidFill>
+                  <a:srgbClr val="FFFFFF"/>
+                </a:solidFill>
+                <a:latin typeface="Hind Guntur"/>
+                <a:ea typeface="Hind Guntur"/>
+                <a:cs typeface="Hind Guntur"/>
+                <a:sym typeface="Hind Guntur"/>
+              </a:rPr>
+              <a:t>5</a:t>
+            </a:r>
+            <a:endParaRPr/>
+          </a:p>
+        </p:txBody>
       </p:sp>
     </p:spTree>
   </p:cSld>
@@ -14525,7 +14877,7 @@
     </p:bg>
     <p:spTree>
       <p:nvGrpSpPr>
-        <p:cNvPr id="142" name="Shape 142"/>
+        <p:cNvPr id="146" name="Shape 146"/>
         <p:cNvGrpSpPr/>
         <p:nvPr/>
       </p:nvGrpSpPr>
@@ -14539,7 +14891,7 @@
       </p:grpSpPr>
       <p:sp>
         <p:nvSpPr>
-          <p:cNvPr id="143" name="Google Shape;143;p19"/>
+          <p:cNvPr id="147" name="Google Shape;147;p19"/>
           <p:cNvSpPr/>
           <p:nvPr/>
         </p:nvSpPr>
@@ -14597,7 +14949,7 @@
       </p:sp>
       <p:sp>
         <p:nvSpPr>
-          <p:cNvPr id="144" name="Google Shape;144;p19"/>
+          <p:cNvPr id="148" name="Google Shape;148;p19"/>
           <p:cNvSpPr txBox="1"/>
           <p:nvPr/>
         </p:nvSpPr>
@@ -14654,7 +15006,7 @@
       </p:sp>
       <p:sp>
         <p:nvSpPr>
-          <p:cNvPr id="145" name="Google Shape;145;p19"/>
+          <p:cNvPr id="149" name="Google Shape;149;p19"/>
           <p:cNvSpPr txBox="1"/>
           <p:nvPr/>
         </p:nvSpPr>
@@ -14800,7 +15152,7 @@
       </p:sp>
       <p:sp>
         <p:nvSpPr>
-          <p:cNvPr id="146" name="Google Shape;146;p19"/>
+          <p:cNvPr id="150" name="Google Shape;150;p19"/>
           <p:cNvSpPr/>
           <p:nvPr/>
         </p:nvSpPr>
@@ -14839,47 +15191,7 @@
       </p:sp>
       <p:sp>
         <p:nvSpPr>
-          <p:cNvPr id="147" name="Google Shape;147;p19"/>
-          <p:cNvSpPr txBox="1"/>
-          <p:nvPr>
-            <p:ph idx="12" type="sldNum"/>
-          </p:nvPr>
-        </p:nvSpPr>
-        <p:spPr>
-          <a:xfrm>
-            <a:off x="6725600" y="7620650"/>
-            <a:ext cx="2133600" cy="365100"/>
-          </a:xfrm>
-          <a:prstGeom prst="rect">
-            <a:avLst/>
-          </a:prstGeom>
-        </p:spPr>
-        <p:txBody>
-          <a:bodyPr anchorCtr="0" anchor="ctr" bIns="45700" lIns="91425" spcFirstLastPara="1" rIns="91425" wrap="square" tIns="45700">
-            <a:noAutofit/>
-          </a:bodyPr>
-          <a:lstStyle/>
-          <a:p>
-            <a:pPr indent="0" lvl="0" marL="0" rtl="0" algn="r">
-              <a:spcBef>
-                <a:spcPts val="0"/>
-              </a:spcBef>
-              <a:spcAft>
-                <a:spcPts val="0"/>
-              </a:spcAft>
-              <a:buNone/>
-            </a:pPr>
-            <a:fld id="{00000000-1234-1234-1234-123412341234}" type="slidenum">
-              <a:rPr lang="en-US"/>
-              <a:t>‹#›</a:t>
-            </a:fld>
-            <a:endParaRPr/>
-          </a:p>
-        </p:txBody>
-      </p:sp>
-      <p:sp>
-        <p:nvSpPr>
-          <p:cNvPr id="148" name="Google Shape;148;p19"/>
+          <p:cNvPr id="151" name="Google Shape;151;p19"/>
           <p:cNvSpPr/>
           <p:nvPr/>
         </p:nvSpPr>
@@ -14923,6 +15235,118 @@
             <a:noFill/>
           </a:ln>
         </p:spPr>
+      </p:sp>
+      <p:sp>
+        <p:nvSpPr>
+          <p:cNvPr id="152" name="Google Shape;152;p19"/>
+          <p:cNvSpPr/>
+          <p:nvPr/>
+        </p:nvSpPr>
+        <p:spPr>
+          <a:xfrm>
+            <a:off x="7600950" y="8905423"/>
+            <a:ext cx="3086100" cy="1348604"/>
+          </a:xfrm>
+          <a:custGeom>
+            <a:rect b="b" l="l" r="r" t="t"/>
+            <a:pathLst>
+              <a:path extrusionOk="0" h="1348604" w="3086100">
+                <a:moveTo>
+                  <a:pt x="0" y="0"/>
+                </a:moveTo>
+                <a:lnTo>
+                  <a:pt x="3086100" y="0"/>
+                </a:lnTo>
+                <a:lnTo>
+                  <a:pt x="3086100" y="1348604"/>
+                </a:lnTo>
+                <a:lnTo>
+                  <a:pt x="0" y="1348604"/>
+                </a:lnTo>
+                <a:lnTo>
+                  <a:pt x="0" y="0"/>
+                </a:lnTo>
+                <a:close/>
+              </a:path>
+            </a:pathLst>
+          </a:custGeom>
+          <a:blipFill rotWithShape="1">
+            <a:blip r:embed="rId4">
+              <a:alphaModFix/>
+            </a:blip>
+            <a:stretch>
+              <a:fillRect b="0" l="0" r="0" t="0"/>
+            </a:stretch>
+          </a:blipFill>
+          <a:ln>
+            <a:noFill/>
+          </a:ln>
+        </p:spPr>
+      </p:sp>
+      <p:sp>
+        <p:nvSpPr>
+          <p:cNvPr id="153" name="Google Shape;153;p19"/>
+          <p:cNvSpPr txBox="1"/>
+          <p:nvPr/>
+        </p:nvSpPr>
+        <p:spPr>
+          <a:xfrm>
+            <a:off x="8658299" y="9210133"/>
+            <a:ext cx="971400" cy="739200"/>
+          </a:xfrm>
+          <a:prstGeom prst="rect">
+            <a:avLst/>
+          </a:prstGeom>
+          <a:noFill/>
+          <a:ln>
+            <a:noFill/>
+          </a:ln>
+        </p:spPr>
+        <p:txBody>
+          <a:bodyPr anchorCtr="0" anchor="t" bIns="0" lIns="0" spcFirstLastPara="1" rIns="0" wrap="square" tIns="0">
+            <a:spAutoFit/>
+          </a:bodyPr>
+          <a:lstStyle/>
+          <a:p>
+            <a:pPr indent="0" lvl="0" marL="0" marR="0" rtl="0" algn="ctr">
+              <a:lnSpc>
+                <a:spcPct val="168034"/>
+              </a:lnSpc>
+              <a:spcBef>
+                <a:spcPts val="0"/>
+              </a:spcBef>
+              <a:spcAft>
+                <a:spcPts val="0"/>
+              </a:spcAft>
+              <a:buNone/>
+            </a:pPr>
+            <a:r>
+              <a:rPr b="1" i="0" lang="en-US" sz="4802" u="none" cap="none" strike="noStrike">
+                <a:solidFill>
+                  <a:srgbClr val="FFFFFF"/>
+                </a:solidFill>
+                <a:latin typeface="Hind Guntur"/>
+                <a:ea typeface="Hind Guntur"/>
+                <a:cs typeface="Hind Guntur"/>
+                <a:sym typeface="Hind Guntur"/>
+              </a:rPr>
+              <a:t>0</a:t>
+            </a:r>
+            <a:r>
+              <a:rPr b="1" lang="en-US" sz="4802">
+                <a:solidFill>
+                  <a:srgbClr val="FFFFFF"/>
+                </a:solidFill>
+                <a:latin typeface="Hind Guntur"/>
+                <a:ea typeface="Hind Guntur"/>
+                <a:cs typeface="Hind Guntur"/>
+                <a:sym typeface="Hind Guntur"/>
+              </a:rPr>
+              <a:t>6</a:t>
+            </a:r>
+            <a:endParaRPr/>
+          </a:p>
+        </p:txBody>
       </p:sp>
     </p:spTree>
   </p:cSld>
@@ -14944,7 +15368,7 @@
     </p:bg>
     <p:spTree>
       <p:nvGrpSpPr>
-        <p:cNvPr id="152" name="Shape 152"/>
+        <p:cNvPr id="157" name="Shape 157"/>
         <p:cNvGrpSpPr/>
         <p:nvPr/>
       </p:nvGrpSpPr>
@@ -14958,7 +15382,7 @@
       </p:grpSpPr>
       <p:sp>
         <p:nvSpPr>
-          <p:cNvPr id="153" name="Google Shape;153;p20"/>
+          <p:cNvPr id="158" name="Google Shape;158;p20"/>
           <p:cNvSpPr/>
           <p:nvPr/>
         </p:nvSpPr>
@@ -15016,7 +15440,7 @@
       </p:sp>
       <p:sp>
         <p:nvSpPr>
-          <p:cNvPr id="154" name="Google Shape;154;p20"/>
+          <p:cNvPr id="159" name="Google Shape;159;p20"/>
           <p:cNvSpPr txBox="1"/>
           <p:nvPr/>
         </p:nvSpPr>
@@ -15073,7 +15497,7 @@
       </p:sp>
       <p:sp>
         <p:nvSpPr>
-          <p:cNvPr id="155" name="Google Shape;155;p20"/>
+          <p:cNvPr id="160" name="Google Shape;160;p20"/>
           <p:cNvSpPr/>
           <p:nvPr/>
         </p:nvSpPr>
@@ -15110,49 +15534,9 @@
           </a:ln>
         </p:spPr>
       </p:sp>
-      <p:sp>
-        <p:nvSpPr>
-          <p:cNvPr id="156" name="Google Shape;156;p20"/>
-          <p:cNvSpPr txBox="1"/>
-          <p:nvPr>
-            <p:ph idx="12" type="sldNum"/>
-          </p:nvPr>
-        </p:nvSpPr>
-        <p:spPr>
-          <a:xfrm>
-            <a:off x="6725600" y="7620650"/>
-            <a:ext cx="2133600" cy="365100"/>
-          </a:xfrm>
-          <a:prstGeom prst="rect">
-            <a:avLst/>
-          </a:prstGeom>
-        </p:spPr>
-        <p:txBody>
-          <a:bodyPr anchorCtr="0" anchor="ctr" bIns="45700" lIns="91425" spcFirstLastPara="1" rIns="91425" wrap="square" tIns="45700">
-            <a:noAutofit/>
-          </a:bodyPr>
-          <a:lstStyle/>
-          <a:p>
-            <a:pPr indent="0" lvl="0" marL="0" rtl="0" algn="r">
-              <a:spcBef>
-                <a:spcPts val="0"/>
-              </a:spcBef>
-              <a:spcAft>
-                <a:spcPts val="0"/>
-              </a:spcAft>
-              <a:buNone/>
-            </a:pPr>
-            <a:fld id="{00000000-1234-1234-1234-123412341234}" type="slidenum">
-              <a:rPr lang="en-US"/>
-              <a:t>‹#›</a:t>
-            </a:fld>
-            <a:endParaRPr/>
-          </a:p>
-        </p:txBody>
-      </p:sp>
       <p:pic>
         <p:nvPicPr>
-          <p:cNvPr id="157" name="Google Shape;157;p20"/>
+          <p:cNvPr id="161" name="Google Shape;161;p20"/>
           <p:cNvPicPr preferRelativeResize="0"/>
           <p:nvPr/>
         </p:nvPicPr>
@@ -15165,8 +15549,8 @@
         </p:blipFill>
         <p:spPr>
           <a:xfrm>
-            <a:off x="1807125" y="1244200"/>
-            <a:ext cx="15018743" cy="9040550"/>
+            <a:off x="2835263" y="1233500"/>
+            <a:ext cx="12962476" cy="7802774"/>
           </a:xfrm>
           <a:prstGeom prst="rect">
             <a:avLst/>
@@ -15177,6 +15561,118 @@
           </a:ln>
         </p:spPr>
       </p:pic>
+      <p:sp>
+        <p:nvSpPr>
+          <p:cNvPr id="162" name="Google Shape;162;p20"/>
+          <p:cNvSpPr/>
+          <p:nvPr/>
+        </p:nvSpPr>
+        <p:spPr>
+          <a:xfrm>
+            <a:off x="7600950" y="8905423"/>
+            <a:ext cx="3086100" cy="1348604"/>
+          </a:xfrm>
+          <a:custGeom>
+            <a:rect b="b" l="l" r="r" t="t"/>
+            <a:pathLst>
+              <a:path extrusionOk="0" h="1348604" w="3086100">
+                <a:moveTo>
+                  <a:pt x="0" y="0"/>
+                </a:moveTo>
+                <a:lnTo>
+                  <a:pt x="3086100" y="0"/>
+                </a:lnTo>
+                <a:lnTo>
+                  <a:pt x="3086100" y="1348604"/>
+                </a:lnTo>
+                <a:lnTo>
+                  <a:pt x="0" y="1348604"/>
+                </a:lnTo>
+                <a:lnTo>
+                  <a:pt x="0" y="0"/>
+                </a:lnTo>
+                <a:close/>
+              </a:path>
+            </a:pathLst>
+          </a:custGeom>
+          <a:blipFill rotWithShape="1">
+            <a:blip r:embed="rId4">
+              <a:alphaModFix/>
+            </a:blip>
+            <a:stretch>
+              <a:fillRect b="0" l="0" r="0" t="0"/>
+            </a:stretch>
+          </a:blipFill>
+          <a:ln>
+            <a:noFill/>
+          </a:ln>
+        </p:spPr>
+      </p:sp>
+      <p:sp>
+        <p:nvSpPr>
+          <p:cNvPr id="163" name="Google Shape;163;p20"/>
+          <p:cNvSpPr txBox="1"/>
+          <p:nvPr/>
+        </p:nvSpPr>
+        <p:spPr>
+          <a:xfrm>
+            <a:off x="8658299" y="9210133"/>
+            <a:ext cx="971400" cy="739200"/>
+          </a:xfrm>
+          <a:prstGeom prst="rect">
+            <a:avLst/>
+          </a:prstGeom>
+          <a:noFill/>
+          <a:ln>
+            <a:noFill/>
+          </a:ln>
+        </p:spPr>
+        <p:txBody>
+          <a:bodyPr anchorCtr="0" anchor="t" bIns="0" lIns="0" spcFirstLastPara="1" rIns="0" wrap="square" tIns="0">
+            <a:spAutoFit/>
+          </a:bodyPr>
+          <a:lstStyle/>
+          <a:p>
+            <a:pPr indent="0" lvl="0" marL="0" marR="0" rtl="0" algn="ctr">
+              <a:lnSpc>
+                <a:spcPct val="168034"/>
+              </a:lnSpc>
+              <a:spcBef>
+                <a:spcPts val="0"/>
+              </a:spcBef>
+              <a:spcAft>
+                <a:spcPts val="0"/>
+              </a:spcAft>
+              <a:buNone/>
+            </a:pPr>
+            <a:r>
+              <a:rPr b="1" i="0" lang="en-US" sz="4802" u="none" cap="none" strike="noStrike">
+                <a:solidFill>
+                  <a:srgbClr val="FFFFFF"/>
+                </a:solidFill>
+                <a:latin typeface="Hind Guntur"/>
+                <a:ea typeface="Hind Guntur"/>
+                <a:cs typeface="Hind Guntur"/>
+                <a:sym typeface="Hind Guntur"/>
+              </a:rPr>
+              <a:t>0</a:t>
+            </a:r>
+            <a:r>
+              <a:rPr b="1" lang="en-US" sz="4802">
+                <a:solidFill>
+                  <a:srgbClr val="FFFFFF"/>
+                </a:solidFill>
+                <a:latin typeface="Hind Guntur"/>
+                <a:ea typeface="Hind Guntur"/>
+                <a:cs typeface="Hind Guntur"/>
+                <a:sym typeface="Hind Guntur"/>
+              </a:rPr>
+              <a:t>7</a:t>
+            </a:r>
+            <a:endParaRPr/>
+          </a:p>
+        </p:txBody>
+      </p:sp>
     </p:spTree>
   </p:cSld>
   <p:clrMapOvr>
@@ -15197,7 +15693,7 @@
     </p:bg>
     <p:spTree>
       <p:nvGrpSpPr>
-        <p:cNvPr id="161" name="Shape 161"/>
+        <p:cNvPr id="167" name="Shape 167"/>
         <p:cNvGrpSpPr/>
         <p:nvPr/>
       </p:nvGrpSpPr>
@@ -15211,7 +15707,7 @@
       </p:grpSpPr>
       <p:sp>
         <p:nvSpPr>
-          <p:cNvPr id="162" name="Google Shape;162;p21"/>
+          <p:cNvPr id="168" name="Google Shape;168;p21"/>
           <p:cNvSpPr/>
           <p:nvPr/>
         </p:nvSpPr>
@@ -15269,7 +15765,7 @@
       </p:sp>
       <p:sp>
         <p:nvSpPr>
-          <p:cNvPr id="163" name="Google Shape;163;p21"/>
+          <p:cNvPr id="169" name="Google Shape;169;p21"/>
           <p:cNvSpPr txBox="1"/>
           <p:nvPr/>
         </p:nvSpPr>
@@ -15326,7 +15822,7 @@
       </p:sp>
       <p:sp>
         <p:nvSpPr>
-          <p:cNvPr id="164" name="Google Shape;164;p21"/>
+          <p:cNvPr id="170" name="Google Shape;170;p21"/>
           <p:cNvSpPr/>
           <p:nvPr/>
         </p:nvSpPr>
@@ -15363,49 +15859,9 @@
           </a:ln>
         </p:spPr>
       </p:sp>
-      <p:sp>
-        <p:nvSpPr>
-          <p:cNvPr id="165" name="Google Shape;165;p21"/>
-          <p:cNvSpPr txBox="1"/>
-          <p:nvPr>
-            <p:ph idx="12" type="sldNum"/>
-          </p:nvPr>
-        </p:nvSpPr>
-        <p:spPr>
-          <a:xfrm>
-            <a:off x="6725600" y="7620650"/>
-            <a:ext cx="2133600" cy="365100"/>
-          </a:xfrm>
-          <a:prstGeom prst="rect">
-            <a:avLst/>
-          </a:prstGeom>
-        </p:spPr>
-        <p:txBody>
-          <a:bodyPr anchorCtr="0" anchor="ctr" bIns="45700" lIns="91425" spcFirstLastPara="1" rIns="91425" wrap="square" tIns="45700">
-            <a:noAutofit/>
-          </a:bodyPr>
-          <a:lstStyle/>
-          <a:p>
-            <a:pPr indent="0" lvl="0" marL="0" rtl="0" algn="r">
-              <a:spcBef>
-                <a:spcPts val="0"/>
-              </a:spcBef>
-              <a:spcAft>
-                <a:spcPts val="0"/>
-              </a:spcAft>
-              <a:buNone/>
-            </a:pPr>
-            <a:fld id="{00000000-1234-1234-1234-123412341234}" type="slidenum">
-              <a:rPr lang="en-US"/>
-              <a:t>‹#›</a:t>
-            </a:fld>
-            <a:endParaRPr/>
-          </a:p>
-        </p:txBody>
-      </p:sp>
       <p:pic>
         <p:nvPicPr>
-          <p:cNvPr id="166" name="Google Shape;166;p21"/>
+          <p:cNvPr id="171" name="Google Shape;171;p21"/>
           <p:cNvPicPr preferRelativeResize="0"/>
           <p:nvPr/>
         </p:nvPicPr>
@@ -15418,8 +15874,8 @@
         </p:blipFill>
         <p:spPr>
           <a:xfrm>
-            <a:off x="1353400" y="1410250"/>
-            <a:ext cx="15926201" cy="8876749"/>
+            <a:off x="2286875" y="1244200"/>
+            <a:ext cx="13714240" cy="7643875"/>
           </a:xfrm>
           <a:prstGeom prst="rect">
             <a:avLst/>
@@ -15430,6 +15886,118 @@
           </a:ln>
         </p:spPr>
       </p:pic>
+      <p:sp>
+        <p:nvSpPr>
+          <p:cNvPr id="172" name="Google Shape;172;p21"/>
+          <p:cNvSpPr/>
+          <p:nvPr/>
+        </p:nvSpPr>
+        <p:spPr>
+          <a:xfrm>
+            <a:off x="7600950" y="8905423"/>
+            <a:ext cx="3086100" cy="1348604"/>
+          </a:xfrm>
+          <a:custGeom>
+            <a:rect b="b" l="l" r="r" t="t"/>
+            <a:pathLst>
+              <a:path extrusionOk="0" h="1348604" w="3086100">
+                <a:moveTo>
+                  <a:pt x="0" y="0"/>
+                </a:moveTo>
+                <a:lnTo>
+                  <a:pt x="3086100" y="0"/>
+                </a:lnTo>
+                <a:lnTo>
+                  <a:pt x="3086100" y="1348604"/>
+                </a:lnTo>
+                <a:lnTo>
+                  <a:pt x="0" y="1348604"/>
+                </a:lnTo>
+                <a:lnTo>
+                  <a:pt x="0" y="0"/>
+                </a:lnTo>
+                <a:close/>
+              </a:path>
+            </a:pathLst>
+          </a:custGeom>
+          <a:blipFill rotWithShape="1">
+            <a:blip r:embed="rId4">
+              <a:alphaModFix/>
+            </a:blip>
+            <a:stretch>
+              <a:fillRect b="0" l="0" r="0" t="0"/>
+            </a:stretch>
+          </a:blipFill>
+          <a:ln>
+            <a:noFill/>
+          </a:ln>
+        </p:spPr>
+      </p:sp>
+      <p:sp>
+        <p:nvSpPr>
+          <p:cNvPr id="173" name="Google Shape;173;p21"/>
+          <p:cNvSpPr txBox="1"/>
+          <p:nvPr/>
+        </p:nvSpPr>
+        <p:spPr>
+          <a:xfrm>
+            <a:off x="8658299" y="9210133"/>
+            <a:ext cx="971400" cy="739200"/>
+          </a:xfrm>
+          <a:prstGeom prst="rect">
+            <a:avLst/>
+          </a:prstGeom>
+          <a:noFill/>
+          <a:ln>
+            <a:noFill/>
+          </a:ln>
+        </p:spPr>
+        <p:txBody>
+          <a:bodyPr anchorCtr="0" anchor="t" bIns="0" lIns="0" spcFirstLastPara="1" rIns="0" wrap="square" tIns="0">
+            <a:spAutoFit/>
+          </a:bodyPr>
+          <a:lstStyle/>
+          <a:p>
+            <a:pPr indent="0" lvl="0" marL="0" marR="0" rtl="0" algn="ctr">
+              <a:lnSpc>
+                <a:spcPct val="168034"/>
+              </a:lnSpc>
+              <a:spcBef>
+                <a:spcPts val="0"/>
+              </a:spcBef>
+              <a:spcAft>
+                <a:spcPts val="0"/>
+              </a:spcAft>
+              <a:buNone/>
+            </a:pPr>
+            <a:r>
+              <a:rPr b="1" i="0" lang="en-US" sz="4802" u="none" cap="none" strike="noStrike">
+                <a:solidFill>
+                  <a:srgbClr val="FFFFFF"/>
+                </a:solidFill>
+                <a:latin typeface="Hind Guntur"/>
+                <a:ea typeface="Hind Guntur"/>
+                <a:cs typeface="Hind Guntur"/>
+                <a:sym typeface="Hind Guntur"/>
+              </a:rPr>
+              <a:t>0</a:t>
+            </a:r>
+            <a:r>
+              <a:rPr b="1" lang="en-US" sz="4802">
+                <a:solidFill>
+                  <a:srgbClr val="FFFFFF"/>
+                </a:solidFill>
+                <a:latin typeface="Hind Guntur"/>
+                <a:ea typeface="Hind Guntur"/>
+                <a:cs typeface="Hind Guntur"/>
+                <a:sym typeface="Hind Guntur"/>
+              </a:rPr>
+              <a:t>8</a:t>
+            </a:r>
+            <a:endParaRPr/>
+          </a:p>
+        </p:txBody>
+      </p:sp>
     </p:spTree>
   </p:cSld>
   <p:clrMapOvr>
@@ -15439,6 +16007,285 @@
 </file>
 
 <file path=ppt/theme/theme1.xml><?xml version="1.0" encoding="utf-8"?>
+<a:theme xmlns:a="http://schemas.openxmlformats.org/drawingml/2006/main" xmlns:r="http://schemas.openxmlformats.org/officeDocument/2006/relationships" name="Office Theme">
+  <a:themeElements>
+    <a:clrScheme name="Office">
+      <a:dk1>
+        <a:srgbClr val="000000"/>
+      </a:dk1>
+      <a:lt1>
+        <a:srgbClr val="FFFFFF"/>
+      </a:lt1>
+      <a:dk2>
+        <a:srgbClr val="1F497D"/>
+      </a:dk2>
+      <a:lt2>
+        <a:srgbClr val="EEECE1"/>
+      </a:lt2>
+      <a:accent1>
+        <a:srgbClr val="4F81BD"/>
+      </a:accent1>
+      <a:accent2>
+        <a:srgbClr val="C0504D"/>
+      </a:accent2>
+      <a:accent3>
+        <a:srgbClr val="9BBB59"/>
+      </a:accent3>
+      <a:accent4>
+        <a:srgbClr val="8064A2"/>
+      </a:accent4>
+      <a:accent5>
+        <a:srgbClr val="4BACC6"/>
+      </a:accent5>
+      <a:accent6>
+        <a:srgbClr val="F79646"/>
+      </a:accent6>
+      <a:hlink>
+        <a:srgbClr val="0000FF"/>
+      </a:hlink>
+      <a:folHlink>
+        <a:srgbClr val="800080"/>
+      </a:folHlink>
+    </a:clrScheme>
+    <a:fontScheme name="Office">
+      <a:majorFont>
+        <a:latin typeface="Arial"/>
+        <a:ea typeface=""/>
+        <a:cs typeface=""/>
+        <a:font script="Jpan" typeface="ＭＳ Ｐゴシック"/>
+        <a:font script="Hang" typeface="맑은 고딕"/>
+        <a:font script="Hans" typeface="宋体"/>
+        <a:font script="Hant" typeface="新細明體"/>
+        <a:font script="Arab" typeface="Times New Roman"/>
+        <a:font script="Hebr" typeface="Times New Roman"/>
+        <a:font script="Thai" typeface="Angsana New"/>
+        <a:font script="Ethi" typeface="Nyala"/>
+        <a:font script="Beng" typeface="Vrinda"/>
+        <a:font script="Gujr" typeface="Shruti"/>
+        <a:font script="Khmr" typeface="MoolBoran"/>
+        <a:font script="Knda" typeface="Tunga"/>
+        <a:font script="Guru" typeface="Raavi"/>
+        <a:font script="Cans" typeface="Euphemia"/>
+        <a:font script="Cher" typeface="Plantagenet Cherokee"/>
+        <a:font script="Yiii" typeface="Microsoft Yi Baiti"/>
+        <a:font script="Tibt" typeface="Microsoft Himalaya"/>
+        <a:font script="Thaa" typeface="MV Boli"/>
+        <a:font script="Deva" typeface="Mangal"/>
+        <a:font script="Telu" typeface="Gautami"/>
+        <a:font script="Taml" typeface="Latha"/>
+        <a:font script="Syrc" typeface="Estrangelo Edessa"/>
+        <a:font script="Orya" typeface="Kalinga"/>
+        <a:font script="Mlym" typeface="Kartika"/>
+        <a:font script="Laoo" typeface="DokChampa"/>
+        <a:font script="Sinh" typeface="Iskoola Pota"/>
+        <a:font script="Mong" typeface="Mongolian Baiti"/>
+        <a:font script="Viet" typeface="Times New Roman"/>
+        <a:font script="Uigh" typeface="Microsoft Uighur"/>
+        <a:font script="Geor" typeface="Sylfaen"/>
+      </a:majorFont>
+      <a:minorFont>
+        <a:latin typeface="Arial"/>
+        <a:ea typeface=""/>
+        <a:cs typeface=""/>
+        <a:font script="Jpan" typeface="ＭＳ Ｐゴシック"/>
+        <a:font script="Hang" typeface="맑은 고딕"/>
+        <a:font script="Hans" typeface="宋体"/>
+        <a:font script="Hant" typeface="新細明體"/>
+        <a:font script="Arab" typeface="Arial"/>
+        <a:font script="Hebr" typeface="Arial"/>
+        <a:font script="Thai" typeface="Cordia New"/>
+        <a:font script="Ethi" typeface="Nyala"/>
+        <a:font script="Beng" typeface="Vrinda"/>
+        <a:font script="Gujr" typeface="Shruti"/>
+        <a:font script="Khmr" typeface="DaunPenh"/>
+        <a:font script="Knda" typeface="Tunga"/>
+        <a:font script="Guru" typeface="Raavi"/>
+        <a:font script="Cans" typeface="Euphemia"/>
+        <a:font script="Cher" typeface="Plantagenet Cherokee"/>
+        <a:font script="Yiii" typeface="Microsoft Yi Baiti"/>
+        <a:font script="Tibt" typeface="Microsoft Himalaya"/>
+        <a:font script="Thaa" typeface="MV Boli"/>
+        <a:font script="Deva" typeface="Mangal"/>
+        <a:font script="Telu" typeface="Gautami"/>
+        <a:font script="Taml" typeface="Latha"/>
+        <a:font script="Syrc" typeface="Estrangelo Edessa"/>
+        <a:font script="Orya" typeface="Kalinga"/>
+        <a:font script="Mlym" typeface="Kartika"/>
+        <a:font script="Laoo" typeface="DokChampa"/>
+        <a:font script="Sinh" typeface="Iskoola Pota"/>
+        <a:font script="Mong" typeface="Mongolian Baiti"/>
+        <a:font script="Viet" typeface="Arial"/>
+        <a:font script="Uigh" typeface="Microsoft Uighur"/>
+        <a:font script="Geor" typeface="Sylfaen"/>
+      </a:minorFont>
+    </a:fontScheme>
+    <a:fmtScheme name="Office">
+      <a:fillStyleLst>
+        <a:solidFill>
+          <a:schemeClr val="phClr"/>
+        </a:solidFill>
+        <a:gradFill rotWithShape="1">
+          <a:gsLst>
+            <a:gs pos="0">
+              <a:schemeClr val="phClr">
+                <a:tint val="50000"/>
+                <a:satMod val="300000"/>
+              </a:schemeClr>
+            </a:gs>
+            <a:gs pos="35000">
+              <a:schemeClr val="phClr">
+                <a:tint val="37000"/>
+                <a:satMod val="300000"/>
+              </a:schemeClr>
+            </a:gs>
+            <a:gs pos="100000">
+              <a:schemeClr val="phClr">
+                <a:tint val="15000"/>
+                <a:satMod val="350000"/>
+              </a:schemeClr>
+            </a:gs>
+          </a:gsLst>
+          <a:lin ang="16200000" scaled="1"/>
+        </a:gradFill>
+        <a:gradFill rotWithShape="1">
+          <a:gsLst>
+            <a:gs pos="0">
+              <a:schemeClr val="phClr">
+                <a:tint val="100000"/>
+                <a:shade val="100000"/>
+                <a:satMod val="130000"/>
+              </a:schemeClr>
+            </a:gs>
+            <a:gs pos="100000">
+              <a:schemeClr val="phClr">
+                <a:tint val="50000"/>
+                <a:shade val="100000"/>
+                <a:satMod val="350000"/>
+              </a:schemeClr>
+            </a:gs>
+          </a:gsLst>
+          <a:lin ang="16200000" scaled="0"/>
+        </a:gradFill>
+      </a:fillStyleLst>
+      <a:lnStyleLst>
+        <a:ln w="9525" cap="flat" cmpd="sng" algn="ctr">
+          <a:solidFill>
+            <a:schemeClr val="phClr">
+              <a:shade val="95000"/>
+              <a:satMod val="105000"/>
+            </a:schemeClr>
+          </a:solidFill>
+          <a:prstDash val="solid"/>
+        </a:ln>
+        <a:ln w="25400" cap="flat" cmpd="sng" algn="ctr">
+          <a:solidFill>
+            <a:schemeClr val="phClr"/>
+          </a:solidFill>
+          <a:prstDash val="solid"/>
+        </a:ln>
+        <a:ln w="38100" cap="flat" cmpd="sng" algn="ctr">
+          <a:solidFill>
+            <a:schemeClr val="phClr"/>
+          </a:solidFill>
+          <a:prstDash val="solid"/>
+        </a:ln>
+      </a:lnStyleLst>
+      <a:effectStyleLst>
+        <a:effectStyle>
+          <a:effectLst>
+            <a:outerShdw blurRad="40000" dist="20000" dir="5400000" rotWithShape="0">
+              <a:srgbClr val="000000">
+                <a:alpha val="38000"/>
+              </a:srgbClr>
+            </a:outerShdw>
+          </a:effectLst>
+        </a:effectStyle>
+        <a:effectStyle>
+          <a:effectLst>
+            <a:outerShdw blurRad="40000" dist="23000" dir="5400000" rotWithShape="0">
+              <a:srgbClr val="000000">
+                <a:alpha val="35000"/>
+              </a:srgbClr>
+            </a:outerShdw>
+          </a:effectLst>
+        </a:effectStyle>
+        <a:effectStyle>
+          <a:effectLst>
+            <a:outerShdw blurRad="40000" dist="23000" dir="5400000" rotWithShape="0">
+              <a:srgbClr val="000000">
+                <a:alpha val="35000"/>
+              </a:srgbClr>
+            </a:outerShdw>
+          </a:effectLst>
+          <a:scene3d>
+            <a:camera prst="orthographicFront">
+              <a:rot lat="0" lon="0" rev="0"/>
+            </a:camera>
+            <a:lightRig rig="threePt" dir="t">
+              <a:rot lat="0" lon="0" rev="1200000"/>
+            </a:lightRig>
+          </a:scene3d>
+          <a:sp3d>
+            <a:bevelT w="63500" h="25400"/>
+          </a:sp3d>
+        </a:effectStyle>
+      </a:effectStyleLst>
+      <a:bgFillStyleLst>
+        <a:solidFill>
+          <a:schemeClr val="phClr"/>
+        </a:solidFill>
+        <a:gradFill rotWithShape="1">
+          <a:gsLst>
+            <a:gs pos="0">
+              <a:schemeClr val="phClr">
+                <a:tint val="40000"/>
+                <a:satMod val="350000"/>
+              </a:schemeClr>
+            </a:gs>
+            <a:gs pos="40000">
+              <a:schemeClr val="phClr">
+                <a:tint val="45000"/>
+                <a:shade val="99000"/>
+                <a:satMod val="350000"/>
+              </a:schemeClr>
+            </a:gs>
+            <a:gs pos="100000">
+              <a:schemeClr val="phClr">
+                <a:shade val="20000"/>
+                <a:satMod val="255000"/>
+              </a:schemeClr>
+            </a:gs>
+          </a:gsLst>
+          <a:path path="circle">
+            <a:fillToRect l="50000" t="-80000" r="50000" b="180000"/>
+          </a:path>
+        </a:gradFill>
+        <a:gradFill rotWithShape="1">
+          <a:gsLst>
+            <a:gs pos="0">
+              <a:schemeClr val="phClr">
+                <a:tint val="80000"/>
+                <a:satMod val="300000"/>
+              </a:schemeClr>
+            </a:gs>
+            <a:gs pos="100000">
+              <a:schemeClr val="phClr">
+                <a:shade val="30000"/>
+                <a:satMod val="200000"/>
+              </a:schemeClr>
+            </a:gs>
+          </a:gsLst>
+          <a:path path="circle">
+            <a:fillToRect l="50000" t="50000" r="50000" b="50000"/>
+          </a:path>
+        </a:gradFill>
+      </a:bgFillStyleLst>
+    </a:fmtScheme>
+  </a:themeElements>
+</a:theme>
+</file>
+
+<file path=ppt/theme/theme2.xml><?xml version="1.0" encoding="utf-8"?>
 <a:theme xmlns:a="http://schemas.openxmlformats.org/drawingml/2006/main" xmlns:r="http://schemas.openxmlformats.org/officeDocument/2006/relationships">
   <a:themeElements>
     <a:clrScheme name="Default">
@@ -15715,283 +16562,4 @@
     </a:fmtScheme>
   </a:themeElements>
 </a:theme>
-</file>
-
-<file path=ppt/theme/theme2.xml><?xml version="1.0" encoding="utf-8"?>
-<a:theme xmlns:a="http://schemas.openxmlformats.org/drawingml/2006/main" xmlns:r="http://schemas.openxmlformats.org/officeDocument/2006/relationships" name="Office Theme">
-  <a:themeElements>
-    <a:clrScheme name="Office">
-      <a:dk1>
-        <a:srgbClr val="000000"/>
-      </a:dk1>
-      <a:lt1>
-        <a:srgbClr val="FFFFFF"/>
-      </a:lt1>
-      <a:dk2>
-        <a:srgbClr val="1F497D"/>
-      </a:dk2>
-      <a:lt2>
-        <a:srgbClr val="EEECE1"/>
-      </a:lt2>
-      <a:accent1>
-        <a:srgbClr val="4F81BD"/>
-      </a:accent1>
-      <a:accent2>
-        <a:srgbClr val="C0504D"/>
-      </a:accent2>
-      <a:accent3>
-        <a:srgbClr val="9BBB59"/>
-      </a:accent3>
-      <a:accent4>
-        <a:srgbClr val="8064A2"/>
-      </a:accent4>
-      <a:accent5>
-        <a:srgbClr val="4BACC6"/>
-      </a:accent5>
-      <a:accent6>
-        <a:srgbClr val="F79646"/>
-      </a:accent6>
-      <a:hlink>
-        <a:srgbClr val="0000FF"/>
-      </a:hlink>
-      <a:folHlink>
-        <a:srgbClr val="800080"/>
-      </a:folHlink>
-    </a:clrScheme>
-    <a:fontScheme name="Office">
-      <a:majorFont>
-        <a:latin typeface="Arial"/>
-        <a:ea typeface=""/>
-        <a:cs typeface=""/>
-        <a:font script="Jpan" typeface="ＭＳ Ｐゴシック"/>
-        <a:font script="Hang" typeface="맑은 고딕"/>
-        <a:font script="Hans" typeface="宋体"/>
-        <a:font script="Hant" typeface="新細明體"/>
-        <a:font script="Arab" typeface="Times New Roman"/>
-        <a:font script="Hebr" typeface="Times New Roman"/>
-        <a:font script="Thai" typeface="Angsana New"/>
-        <a:font script="Ethi" typeface="Nyala"/>
-        <a:font script="Beng" typeface="Vrinda"/>
-        <a:font script="Gujr" typeface="Shruti"/>
-        <a:font script="Khmr" typeface="MoolBoran"/>
-        <a:font script="Knda" typeface="Tunga"/>
-        <a:font script="Guru" typeface="Raavi"/>
-        <a:font script="Cans" typeface="Euphemia"/>
-        <a:font script="Cher" typeface="Plantagenet Cherokee"/>
-        <a:font script="Yiii" typeface="Microsoft Yi Baiti"/>
-        <a:font script="Tibt" typeface="Microsoft Himalaya"/>
-        <a:font script="Thaa" typeface="MV Boli"/>
-        <a:font script="Deva" typeface="Mangal"/>
-        <a:font script="Telu" typeface="Gautami"/>
-        <a:font script="Taml" typeface="Latha"/>
-        <a:font script="Syrc" typeface="Estrangelo Edessa"/>
-        <a:font script="Orya" typeface="Kalinga"/>
-        <a:font script="Mlym" typeface="Kartika"/>
-        <a:font script="Laoo" typeface="DokChampa"/>
-        <a:font script="Sinh" typeface="Iskoola Pota"/>
-        <a:font script="Mong" typeface="Mongolian Baiti"/>
-        <a:font script="Viet" typeface="Times New Roman"/>
-        <a:font script="Uigh" typeface="Microsoft Uighur"/>
-        <a:font script="Geor" typeface="Sylfaen"/>
-      </a:majorFont>
-      <a:minorFont>
-        <a:latin typeface="Arial"/>
-        <a:ea typeface=""/>
-        <a:cs typeface=""/>
-        <a:font script="Jpan" typeface="ＭＳ Ｐゴシック"/>
-        <a:font script="Hang" typeface="맑은 고딕"/>
-        <a:font script="Hans" typeface="宋体"/>
-        <a:font script="Hant" typeface="新細明體"/>
-        <a:font script="Arab" typeface="Arial"/>
-        <a:font script="Hebr" typeface="Arial"/>
-        <a:font script="Thai" typeface="Cordia New"/>
-        <a:font script="Ethi" typeface="Nyala"/>
-        <a:font script="Beng" typeface="Vrinda"/>
-        <a:font script="Gujr" typeface="Shruti"/>
-        <a:font script="Khmr" typeface="DaunPenh"/>
-        <a:font script="Knda" typeface="Tunga"/>
-        <a:font script="Guru" typeface="Raavi"/>
-        <a:font script="Cans" typeface="Euphemia"/>
-        <a:font script="Cher" typeface="Plantagenet Cherokee"/>
-        <a:font script="Yiii" typeface="Microsoft Yi Baiti"/>
-        <a:font script="Tibt" typeface="Microsoft Himalaya"/>
-        <a:font script="Thaa" typeface="MV Boli"/>
-        <a:font script="Deva" typeface="Mangal"/>
-        <a:font script="Telu" typeface="Gautami"/>
-        <a:font script="Taml" typeface="Latha"/>
-        <a:font script="Syrc" typeface="Estrangelo Edessa"/>
-        <a:font script="Orya" typeface="Kalinga"/>
-        <a:font script="Mlym" typeface="Kartika"/>
-        <a:font script="Laoo" typeface="DokChampa"/>
-        <a:font script="Sinh" typeface="Iskoola Pota"/>
-        <a:font script="Mong" typeface="Mongolian Baiti"/>
-        <a:font script="Viet" typeface="Arial"/>
-        <a:font script="Uigh" typeface="Microsoft Uighur"/>
-        <a:font script="Geor" typeface="Sylfaen"/>
-      </a:minorFont>
-    </a:fontScheme>
-    <a:fmtScheme name="Office">
-      <a:fillStyleLst>
-        <a:solidFill>
-          <a:schemeClr val="phClr"/>
-        </a:solidFill>
-        <a:gradFill rotWithShape="1">
-          <a:gsLst>
-            <a:gs pos="0">
-              <a:schemeClr val="phClr">
-                <a:tint val="50000"/>
-                <a:satMod val="300000"/>
-              </a:schemeClr>
-            </a:gs>
-            <a:gs pos="35000">
-              <a:schemeClr val="phClr">
-                <a:tint val="37000"/>
-                <a:satMod val="300000"/>
-              </a:schemeClr>
-            </a:gs>
-            <a:gs pos="100000">
-              <a:schemeClr val="phClr">
-                <a:tint val="15000"/>
-                <a:satMod val="350000"/>
-              </a:schemeClr>
-            </a:gs>
-          </a:gsLst>
-          <a:lin ang="16200000" scaled="1"/>
-        </a:gradFill>
-        <a:gradFill rotWithShape="1">
-          <a:gsLst>
-            <a:gs pos="0">
-              <a:schemeClr val="phClr">
-                <a:tint val="100000"/>
-                <a:shade val="100000"/>
-                <a:satMod val="130000"/>
-              </a:schemeClr>
-            </a:gs>
-            <a:gs pos="100000">
-              <a:schemeClr val="phClr">
-                <a:tint val="50000"/>
-                <a:shade val="100000"/>
-                <a:satMod val="350000"/>
-              </a:schemeClr>
-            </a:gs>
-          </a:gsLst>
-          <a:lin ang="16200000" scaled="0"/>
-        </a:gradFill>
-      </a:fillStyleLst>
-      <a:lnStyleLst>
-        <a:ln w="9525" cap="flat" cmpd="sng" algn="ctr">
-          <a:solidFill>
-            <a:schemeClr val="phClr">
-              <a:shade val="95000"/>
-              <a:satMod val="105000"/>
-            </a:schemeClr>
-          </a:solidFill>
-          <a:prstDash val="solid"/>
-        </a:ln>
-        <a:ln w="25400" cap="flat" cmpd="sng" algn="ctr">
-          <a:solidFill>
-            <a:schemeClr val="phClr"/>
-          </a:solidFill>
-          <a:prstDash val="solid"/>
-        </a:ln>
-        <a:ln w="38100" cap="flat" cmpd="sng" algn="ctr">
-          <a:solidFill>
-            <a:schemeClr val="phClr"/>
-          </a:solidFill>
-          <a:prstDash val="solid"/>
-        </a:ln>
-      </a:lnStyleLst>
-      <a:effectStyleLst>
-        <a:effectStyle>
-          <a:effectLst>
-            <a:outerShdw blurRad="40000" dist="20000" dir="5400000" rotWithShape="0">
-              <a:srgbClr val="000000">
-                <a:alpha val="38000"/>
-              </a:srgbClr>
-            </a:outerShdw>
-          </a:effectLst>
-        </a:effectStyle>
-        <a:effectStyle>
-          <a:effectLst>
-            <a:outerShdw blurRad="40000" dist="23000" dir="5400000" rotWithShape="0">
-              <a:srgbClr val="000000">
-                <a:alpha val="35000"/>
-              </a:srgbClr>
-            </a:outerShdw>
-          </a:effectLst>
-        </a:effectStyle>
-        <a:effectStyle>
-          <a:effectLst>
-            <a:outerShdw blurRad="40000" dist="23000" dir="5400000" rotWithShape="0">
-              <a:srgbClr val="000000">
-                <a:alpha val="35000"/>
-              </a:srgbClr>
-            </a:outerShdw>
-          </a:effectLst>
-          <a:scene3d>
-            <a:camera prst="orthographicFront">
-              <a:rot lat="0" lon="0" rev="0"/>
-            </a:camera>
-            <a:lightRig rig="threePt" dir="t">
-              <a:rot lat="0" lon="0" rev="1200000"/>
-            </a:lightRig>
-          </a:scene3d>
-          <a:sp3d>
-            <a:bevelT w="63500" h="25400"/>
-          </a:sp3d>
-        </a:effectStyle>
-      </a:effectStyleLst>
-      <a:bgFillStyleLst>
-        <a:solidFill>
-          <a:schemeClr val="phClr"/>
-        </a:solidFill>
-        <a:gradFill rotWithShape="1">
-          <a:gsLst>
-            <a:gs pos="0">
-              <a:schemeClr val="phClr">
-                <a:tint val="40000"/>
-                <a:satMod val="350000"/>
-              </a:schemeClr>
-            </a:gs>
-            <a:gs pos="40000">
-              <a:schemeClr val="phClr">
-                <a:tint val="45000"/>
-                <a:shade val="99000"/>
-                <a:satMod val="350000"/>
-              </a:schemeClr>
-            </a:gs>
-            <a:gs pos="100000">
-              <a:schemeClr val="phClr">
-                <a:shade val="20000"/>
-                <a:satMod val="255000"/>
-              </a:schemeClr>
-            </a:gs>
-          </a:gsLst>
-          <a:path path="circle">
-            <a:fillToRect l="50000" t="-80000" r="50000" b="180000"/>
-          </a:path>
-        </a:gradFill>
-        <a:gradFill rotWithShape="1">
-          <a:gsLst>
-            <a:gs pos="0">
-              <a:schemeClr val="phClr">
-                <a:tint val="80000"/>
-                <a:satMod val="300000"/>
-              </a:schemeClr>
-            </a:gs>
-            <a:gs pos="100000">
-              <a:schemeClr val="phClr">
-                <a:shade val="30000"/>
-                <a:satMod val="200000"/>
-              </a:schemeClr>
-            </a:gs>
-          </a:gsLst>
-          <a:path path="circle">
-            <a:fillToRect l="50000" t="50000" r="50000" b="50000"/>
-          </a:path>
-        </a:gradFill>
-      </a:bgFillStyleLst>
-    </a:fmtScheme>
-  </a:themeElements>
-</a:theme>
 </file>